--- a/Named-Data-Net/PPT/Forwarding_Strategy_in_NDN_based_Wireless_Networks_A_Survey.pptx
+++ b/Named-Data-Net/PPT/Forwarding_Strategy_in_NDN_based_Wireless_Networks_A_Survey.pptx
@@ -5,7 +5,7 @@
     <p:sldMasterId id="2147483648" r:id="rId4"/>
   </p:sldMasterIdLst>
   <p:notesMasterIdLst>
-    <p:notesMasterId r:id="rId19"/>
+    <p:notesMasterId r:id="rId22"/>
   </p:notesMasterIdLst>
   <p:sldIdLst>
     <p:sldId id="272" r:id="rId5"/>
@@ -22,23 +22,26 @@
     <p:sldId id="339" r:id="rId16"/>
     <p:sldId id="338" r:id="rId17"/>
     <p:sldId id="340" r:id="rId18"/>
+    <p:sldId id="341" r:id="rId19"/>
+    <p:sldId id="342" r:id="rId20"/>
+    <p:sldId id="343" r:id="rId21"/>
   </p:sldIdLst>
   <p:sldSz cx="12192000" cy="6858000"/>
   <p:notesSz cx="6858000" cy="9144000"/>
   <p:embeddedFontLst>
     <p:embeddedFont>
       <p:font typeface="맑은 고딕" panose="020B0503020000020004" pitchFamily="50" charset="-127"/>
-      <p:regular r:id="rId20"/>
-      <p:bold r:id="rId21"/>
+      <p:regular r:id="rId23"/>
+      <p:bold r:id="rId24"/>
     </p:embeddedFont>
     <p:embeddedFont>
       <p:font typeface="배달의민족 도현" panose="020B0600000101010101" pitchFamily="50" charset="-127"/>
-      <p:regular r:id="rId22"/>
+      <p:regular r:id="rId25"/>
     </p:embeddedFont>
     <p:embeddedFont>
       <p:font typeface="한컴 고딕" panose="02000500000000000000" pitchFamily="2" charset="-127"/>
-      <p:regular r:id="rId23"/>
-      <p:bold r:id="rId24"/>
+      <p:regular r:id="rId26"/>
+      <p:bold r:id="rId27"/>
     </p:embeddedFont>
   </p:embeddedFontLst>
   <p:defaultTextStyle>
@@ -237,7 +240,7 @@
           <a:p>
             <a:fld id="{BAB97E51-E427-4ACE-A482-015806134BAA}" type="datetimeFigureOut">
               <a:rPr lang="ko-KR" altLang="en-US" smtClean="0"/>
-              <a:t>2023-07-24</a:t>
+              <a:t>2023-07-31</a:t>
             </a:fld>
             <a:endParaRPr lang="ko-KR" altLang="en-US"/>
           </a:p>
@@ -651,7 +654,7 @@
           <a:p>
             <a:fld id="{2449B460-6749-4E70-B13D-B84D895949FF}" type="datetime1">
               <a:rPr lang="ko-KR" altLang="en-US" smtClean="0"/>
-              <a:t>2023-07-24</a:t>
+              <a:t>2023-07-31</a:t>
             </a:fld>
             <a:endParaRPr lang="ko-KR" altLang="en-US"/>
           </a:p>
@@ -870,7 +873,7 @@
           <a:p>
             <a:fld id="{92B4B20E-652B-4F60-BE07-24F8AD924D62}" type="datetime1">
               <a:rPr lang="ko-KR" altLang="en-US" smtClean="0"/>
-              <a:t>2023-07-24</a:t>
+              <a:t>2023-07-31</a:t>
             </a:fld>
             <a:endParaRPr lang="ko-KR" altLang="en-US"/>
           </a:p>
@@ -1078,7 +1081,7 @@
           <a:p>
             <a:fld id="{59EDC7B4-1AE1-427E-B7FE-391206F48BE0}" type="datetime1">
               <a:rPr lang="ko-KR" altLang="en-US" smtClean="0"/>
-              <a:t>2023-07-24</a:t>
+              <a:t>2023-07-31</a:t>
             </a:fld>
             <a:endParaRPr lang="ko-KR" altLang="en-US"/>
           </a:p>
@@ -1276,7 +1279,7 @@
           <a:p>
             <a:fld id="{2AE3C021-F84F-4F2C-9D30-1509F357F51F}" type="datetime1">
               <a:rPr lang="ko-KR" altLang="en-US" smtClean="0"/>
-              <a:t>2023-07-24</a:t>
+              <a:t>2023-07-31</a:t>
             </a:fld>
             <a:endParaRPr lang="ko-KR" altLang="en-US"/>
           </a:p>
@@ -1551,7 +1554,7 @@
           <a:p>
             <a:fld id="{484B05B9-04AE-4972-B50A-E9891E1494A6}" type="datetime1">
               <a:rPr lang="ko-KR" altLang="en-US" smtClean="0"/>
-              <a:t>2023-07-24</a:t>
+              <a:t>2023-07-31</a:t>
             </a:fld>
             <a:endParaRPr lang="ko-KR" altLang="en-US"/>
           </a:p>
@@ -1816,7 +1819,7 @@
           <a:p>
             <a:fld id="{402727CD-92C4-465C-9DBA-E5CD3A35887D}" type="datetime1">
               <a:rPr lang="ko-KR" altLang="en-US" smtClean="0"/>
-              <a:t>2023-07-24</a:t>
+              <a:t>2023-07-31</a:t>
             </a:fld>
             <a:endParaRPr lang="ko-KR" altLang="en-US"/>
           </a:p>
@@ -2228,7 +2231,7 @@
           <a:p>
             <a:fld id="{05B3B641-2E79-439A-8F79-68EA085D9053}" type="datetime1">
               <a:rPr lang="ko-KR" altLang="en-US" smtClean="0"/>
-              <a:t>2023-07-24</a:t>
+              <a:t>2023-07-31</a:t>
             </a:fld>
             <a:endParaRPr lang="ko-KR" altLang="en-US"/>
           </a:p>
@@ -2369,7 +2372,7 @@
           <a:p>
             <a:fld id="{A7F04D54-8E43-4E7E-B8A1-C218E338CD28}" type="datetime1">
               <a:rPr lang="ko-KR" altLang="en-US" smtClean="0"/>
-              <a:t>2023-07-24</a:t>
+              <a:t>2023-07-31</a:t>
             </a:fld>
             <a:endParaRPr lang="ko-KR" altLang="en-US"/>
           </a:p>
@@ -2482,7 +2485,7 @@
           <a:p>
             <a:fld id="{B34C2BE8-3549-4F19-A18C-BF32B5B77313}" type="datetime1">
               <a:rPr lang="ko-KR" altLang="en-US" smtClean="0"/>
-              <a:t>2023-07-24</a:t>
+              <a:t>2023-07-31</a:t>
             </a:fld>
             <a:endParaRPr lang="ko-KR" altLang="en-US"/>
           </a:p>
@@ -2793,7 +2796,7 @@
           <a:p>
             <a:fld id="{664FB09C-A850-4101-96C2-327BB8EA9EB0}" type="datetime1">
               <a:rPr lang="ko-KR" altLang="en-US" smtClean="0"/>
-              <a:t>2023-07-24</a:t>
+              <a:t>2023-07-31</a:t>
             </a:fld>
             <a:endParaRPr lang="ko-KR" altLang="en-US"/>
           </a:p>
@@ -3081,7 +3084,7 @@
           <a:p>
             <a:fld id="{E33D87E4-B1AE-484B-83F2-C827A5C91BDD}" type="datetime1">
               <a:rPr lang="ko-KR" altLang="en-US" smtClean="0"/>
-              <a:t>2023-07-24</a:t>
+              <a:t>2023-07-31</a:t>
             </a:fld>
             <a:endParaRPr lang="ko-KR" altLang="en-US"/>
           </a:p>
@@ -3322,7 +3325,7 @@
           <a:p>
             <a:fld id="{B8003EF2-14D2-49D7-9E2B-0A9A451D6AE1}" type="datetime1">
               <a:rPr lang="ko-KR" altLang="en-US" smtClean="0"/>
-              <a:t>2023-07-24</a:t>
+              <a:t>2023-07-31</a:t>
             </a:fld>
             <a:endParaRPr lang="ko-KR" altLang="en-US"/>
           </a:p>
@@ -6231,7 +6234,7 @@
         <p:spPr>
           <a:xfrm>
             <a:off x="152400" y="852110"/>
-            <a:ext cx="11833414" cy="2129878"/>
+            <a:ext cx="11833414" cy="467885"/>
           </a:xfrm>
           <a:prstGeom prst="rect">
             <a:avLst/>
@@ -6250,6 +6253,16 @@
               </a:lnSpc>
             </a:pPr>
             <a:r>
+              <a:rPr lang="en-US" altLang="ko-KR" b="1" dirty="0">
+                <a:solidFill>
+                  <a:schemeClr val="accent1"/>
+                </a:solidFill>
+                <a:latin typeface="한컴 고딕" panose="02000500000000000000" pitchFamily="2" charset="-127"/>
+                <a:ea typeface="한컴 고딕" panose="02000500000000000000" pitchFamily="2" charset="-127"/>
+              </a:rPr>
+              <a:t>NDN</a:t>
+            </a:r>
+            <a:r>
               <a:rPr lang="ko-KR" altLang="en-US" b="1" dirty="0">
                 <a:solidFill>
                   <a:schemeClr val="accent1"/>
@@ -6257,7 +6270,27 @@
                 <a:latin typeface="한컴 고딕" panose="02000500000000000000" pitchFamily="2" charset="-127"/>
                 <a:ea typeface="한컴 고딕" panose="02000500000000000000" pitchFamily="2" charset="-127"/>
               </a:rPr>
-              <a:t>무선 네트워크의 종류</a:t>
+              <a:t>기반 </a:t>
+            </a:r>
+            <a:r>
+              <a:rPr lang="en-US" altLang="ko-KR" b="1" dirty="0">
+                <a:solidFill>
+                  <a:schemeClr val="accent1"/>
+                </a:solidFill>
+                <a:latin typeface="한컴 고딕" panose="02000500000000000000" pitchFamily="2" charset="-127"/>
+                <a:ea typeface="한컴 고딕" panose="02000500000000000000" pitchFamily="2" charset="-127"/>
+              </a:rPr>
+              <a:t>MANET</a:t>
+            </a:r>
+            <a:r>
+              <a:rPr lang="ko-KR" altLang="en-US" b="1" dirty="0">
+                <a:solidFill>
+                  <a:schemeClr val="accent1"/>
+                </a:solidFill>
+                <a:latin typeface="한컴 고딕" panose="02000500000000000000" pitchFamily="2" charset="-127"/>
+                <a:ea typeface="한컴 고딕" panose="02000500000000000000" pitchFamily="2" charset="-127"/>
+              </a:rPr>
+              <a:t>의 포워딩 전략</a:t>
             </a:r>
             <a:endParaRPr lang="en-US" altLang="ko-KR" b="1" dirty="0">
               <a:solidFill>
@@ -6266,94 +6299,6 @@
               <a:latin typeface="한컴 고딕" panose="02000500000000000000" pitchFamily="2" charset="-127"/>
               <a:ea typeface="한컴 고딕" panose="02000500000000000000" pitchFamily="2" charset="-127"/>
             </a:endParaRPr>
-          </a:p>
-          <a:p>
-            <a:pPr marL="342900" indent="-342900">
-              <a:lnSpc>
-                <a:spcPct val="150000"/>
-              </a:lnSpc>
-              <a:buFont typeface="Arial" panose="020B0604020202020204" pitchFamily="34" charset="0"/>
-              <a:buChar char="•"/>
-            </a:pPr>
-            <a:r>
-              <a:rPr lang="en-US" altLang="ko-KR" b="1" dirty="0">
-                <a:solidFill>
-                  <a:schemeClr val="tx1">
-                    <a:lumMod val="50000"/>
-                    <a:lumOff val="50000"/>
-                  </a:schemeClr>
-                </a:solidFill>
-                <a:latin typeface="한컴 고딕" panose="02000500000000000000" pitchFamily="2" charset="-127"/>
-                <a:ea typeface="한컴 고딕" panose="02000500000000000000" pitchFamily="2" charset="-127"/>
-              </a:rPr>
-              <a:t>MANET</a:t>
-            </a:r>
-          </a:p>
-          <a:p>
-            <a:pPr marL="342900" indent="-342900">
-              <a:lnSpc>
-                <a:spcPct val="150000"/>
-              </a:lnSpc>
-              <a:buFont typeface="Arial" panose="020B0604020202020204" pitchFamily="34" charset="0"/>
-              <a:buChar char="•"/>
-            </a:pPr>
-            <a:r>
-              <a:rPr lang="en-US" altLang="ko-KR" b="1" dirty="0">
-                <a:solidFill>
-                  <a:schemeClr val="tx1">
-                    <a:lumMod val="50000"/>
-                    <a:lumOff val="50000"/>
-                  </a:schemeClr>
-                </a:solidFill>
-                <a:latin typeface="한컴 고딕" panose="02000500000000000000" pitchFamily="2" charset="-127"/>
-                <a:ea typeface="한컴 고딕" panose="02000500000000000000" pitchFamily="2" charset="-127"/>
-              </a:rPr>
-              <a:t>VANET</a:t>
-            </a:r>
-          </a:p>
-          <a:p>
-            <a:pPr marL="342900" indent="-342900">
-              <a:lnSpc>
-                <a:spcPct val="150000"/>
-              </a:lnSpc>
-              <a:buFont typeface="Arial" panose="020B0604020202020204" pitchFamily="34" charset="0"/>
-              <a:buChar char="•"/>
-            </a:pPr>
-            <a:r>
-              <a:rPr lang="en-US" altLang="ko-KR" b="1" dirty="0">
-                <a:solidFill>
-                  <a:schemeClr val="tx1">
-                    <a:lumMod val="50000"/>
-                    <a:lumOff val="50000"/>
-                  </a:schemeClr>
-                </a:solidFill>
-                <a:latin typeface="한컴 고딕" panose="02000500000000000000" pitchFamily="2" charset="-127"/>
-                <a:ea typeface="한컴 고딕" panose="02000500000000000000" pitchFamily="2" charset="-127"/>
-              </a:rPr>
-              <a:t>WSN</a:t>
-            </a:r>
-          </a:p>
-          <a:p>
-            <a:pPr marL="342900" indent="-342900">
-              <a:lnSpc>
-                <a:spcPct val="150000"/>
-              </a:lnSpc>
-              <a:buFont typeface="Arial" panose="020B0604020202020204" pitchFamily="34" charset="0"/>
-              <a:buChar char="•"/>
-            </a:pPr>
-            <a:r>
-              <a:rPr lang="en-US" altLang="ko-KR" b="1" dirty="0">
-                <a:solidFill>
-                  <a:schemeClr val="tx1">
-                    <a:lumMod val="50000"/>
-                    <a:lumOff val="50000"/>
-                  </a:schemeClr>
-                </a:solidFill>
-                <a:latin typeface="한컴 고딕" panose="02000500000000000000" pitchFamily="2" charset="-127"/>
-                <a:ea typeface="한컴 고딕" panose="02000500000000000000" pitchFamily="2" charset="-127"/>
-              </a:rPr>
-              <a:t>WMN</a:t>
-            </a:r>
           </a:p>
         </p:txBody>
       </p:sp>
@@ -6386,10 +6331,1657 @@
           </a:p>
         </p:txBody>
       </p:sp>
+      <p:pic>
+        <p:nvPicPr>
+          <p:cNvPr id="1026" name="Picture 2" descr="image">
+            <a:extLst>
+              <a:ext uri="{FF2B5EF4-FFF2-40B4-BE49-F238E27FC236}">
+                <a16:creationId xmlns:a16="http://schemas.microsoft.com/office/drawing/2014/main" id="{F2D30DC8-9562-1C3C-F910-A25C65CD7BA9}"/>
+              </a:ext>
+            </a:extLst>
+          </p:cNvPr>
+          <p:cNvPicPr>
+            <a:picLocks noChangeAspect="1" noChangeArrowheads="1"/>
+          </p:cNvPicPr>
+          <p:nvPr/>
+        </p:nvPicPr>
+        <p:blipFill>
+          <a:blip r:embed="rId2">
+            <a:extLst>
+              <a:ext uri="{28A0092B-C50C-407E-A947-70E740481C1C}">
+                <a14:useLocalDpi xmlns:a14="http://schemas.microsoft.com/office/drawing/2010/main" val="0"/>
+              </a:ext>
+            </a:extLst>
+          </a:blip>
+          <a:srcRect/>
+          <a:stretch>
+            <a:fillRect/>
+          </a:stretch>
+        </p:blipFill>
+        <p:spPr bwMode="auto">
+          <a:xfrm>
+            <a:off x="2176945" y="1530065"/>
+            <a:ext cx="7838110" cy="4616214"/>
+          </a:xfrm>
+          <a:prstGeom prst="rect">
+            <a:avLst/>
+          </a:prstGeom>
+          <a:noFill/>
+          <a:extLst>
+            <a:ext uri="{909E8E84-426E-40DD-AFC4-6F175D3DCCD1}">
+              <a14:hiddenFill xmlns:a14="http://schemas.microsoft.com/office/drawing/2010/main">
+                <a:solidFill>
+                  <a:srgbClr val="FFFFFF"/>
+                </a:solidFill>
+              </a14:hiddenFill>
+            </a:ext>
+          </a:extLst>
+        </p:spPr>
+      </p:pic>
+      <p:sp>
+        <p:nvSpPr>
+          <p:cNvPr id="4" name="TextBox 3">
+            <a:extLst>
+              <a:ext uri="{FF2B5EF4-FFF2-40B4-BE49-F238E27FC236}">
+                <a16:creationId xmlns:a16="http://schemas.microsoft.com/office/drawing/2014/main" id="{C20194A4-3AF3-3D3D-C072-3D00FD92BDDA}"/>
+              </a:ext>
+            </a:extLst>
+          </p:cNvPr>
+          <p:cNvSpPr txBox="1"/>
+          <p:nvPr/>
+        </p:nvSpPr>
+        <p:spPr>
+          <a:xfrm>
+            <a:off x="3854167" y="6146279"/>
+            <a:ext cx="4483665" cy="300980"/>
+          </a:xfrm>
+          <a:prstGeom prst="rect">
+            <a:avLst/>
+          </a:prstGeom>
+          <a:noFill/>
+        </p:spPr>
+        <p:txBody>
+          <a:bodyPr wrap="square" rtlCol="0">
+            <a:spAutoFit/>
+          </a:bodyPr>
+          <a:lstStyle/>
+          <a:p>
+            <a:pPr algn="ctr">
+              <a:lnSpc>
+                <a:spcPct val="150000"/>
+              </a:lnSpc>
+            </a:pPr>
+            <a:r>
+              <a:rPr lang="ko-KR" altLang="en-US" sz="1000" b="1" dirty="0">
+                <a:latin typeface="한컴 고딕" panose="02000500000000000000" pitchFamily="2" charset="-127"/>
+                <a:ea typeface="한컴 고딕" panose="02000500000000000000" pitchFamily="2" charset="-127"/>
+              </a:rPr>
+              <a:t>그림 </a:t>
+            </a:r>
+            <a:r>
+              <a:rPr lang="en-US" altLang="ko-KR" sz="1000" b="1" dirty="0">
+                <a:latin typeface="한컴 고딕" panose="02000500000000000000" pitchFamily="2" charset="-127"/>
+                <a:ea typeface="한컴 고딕" panose="02000500000000000000" pitchFamily="2" charset="-127"/>
+              </a:rPr>
+              <a:t>4. NDN</a:t>
+            </a:r>
+            <a:r>
+              <a:rPr lang="ko-KR" altLang="en-US" sz="1000" b="1" dirty="0">
+                <a:latin typeface="한컴 고딕" panose="02000500000000000000" pitchFamily="2" charset="-127"/>
+                <a:ea typeface="한컴 고딕" panose="02000500000000000000" pitchFamily="2" charset="-127"/>
+              </a:rPr>
+              <a:t>기반 포워딩 전략</a:t>
+            </a:r>
+            <a:endParaRPr lang="en-US" altLang="ko-KR" sz="1000" b="1" dirty="0">
+              <a:latin typeface="한컴 고딕" panose="02000500000000000000" pitchFamily="2" charset="-127"/>
+              <a:ea typeface="한컴 고딕" panose="02000500000000000000" pitchFamily="2" charset="-127"/>
+            </a:endParaRPr>
+          </a:p>
+        </p:txBody>
+      </p:sp>
     </p:spTree>
     <p:extLst>
       <p:ext uri="{BB962C8B-B14F-4D97-AF65-F5344CB8AC3E}">
         <p14:creationId xmlns:p14="http://schemas.microsoft.com/office/powerpoint/2010/main" val="83801943"/>
+      </p:ext>
+    </p:extLst>
+  </p:cSld>
+  <p:clrMapOvr>
+    <a:masterClrMapping/>
+  </p:clrMapOvr>
+</p:sld>
+</file>
+
+<file path=ppt/slides/slide15.xml><?xml version="1.0" encoding="utf-8"?>
+<p:sld xmlns:a="http://schemas.openxmlformats.org/drawingml/2006/main" xmlns:r="http://schemas.openxmlformats.org/officeDocument/2006/relationships" xmlns:p="http://schemas.openxmlformats.org/presentationml/2006/main">
+  <p:cSld>
+    <p:spTree>
+      <p:nvGrpSpPr>
+        <p:cNvPr id="1" name=""/>
+        <p:cNvGrpSpPr/>
+        <p:nvPr/>
+      </p:nvGrpSpPr>
+      <p:grpSpPr>
+        <a:xfrm>
+          <a:off x="0" y="0"/>
+          <a:ext cx="0" cy="0"/>
+          <a:chOff x="0" y="0"/>
+          <a:chExt cx="0" cy="0"/>
+        </a:xfrm>
+      </p:grpSpPr>
+      <p:sp>
+        <p:nvSpPr>
+          <p:cNvPr id="2" name="TextBox 1">
+            <a:extLst>
+              <a:ext uri="{FF2B5EF4-FFF2-40B4-BE49-F238E27FC236}">
+                <a16:creationId xmlns:a16="http://schemas.microsoft.com/office/drawing/2014/main" id="{21A7DBE9-2DE9-F0B6-F5C5-7DB6C44D8D28}"/>
+              </a:ext>
+            </a:extLst>
+          </p:cNvPr>
+          <p:cNvSpPr txBox="1"/>
+          <p:nvPr/>
+        </p:nvSpPr>
+        <p:spPr>
+          <a:xfrm>
+            <a:off x="143435" y="130844"/>
+            <a:ext cx="11905130" cy="584775"/>
+          </a:xfrm>
+          <a:prstGeom prst="rect">
+            <a:avLst/>
+          </a:prstGeom>
+          <a:noFill/>
+        </p:spPr>
+        <p:txBody>
+          <a:bodyPr wrap="square" rtlCol="0">
+            <a:spAutoFit/>
+          </a:bodyPr>
+          <a:lstStyle/>
+          <a:p>
+            <a:pPr algn="just"/>
+            <a:r>
+              <a:rPr lang="en-US" altLang="ko-KR" sz="3200" dirty="0">
+                <a:solidFill>
+                  <a:schemeClr val="tx1">
+                    <a:lumMod val="65000"/>
+                    <a:lumOff val="35000"/>
+                  </a:schemeClr>
+                </a:solidFill>
+                <a:latin typeface="배달의민족 도현" panose="020B0600000101010101" pitchFamily="50" charset="-127"/>
+                <a:ea typeface="배달의민족 도현" panose="020B0600000101010101" pitchFamily="50" charset="-127"/>
+              </a:rPr>
+              <a:t>Forwarding in Wireless AD HOC Networks</a:t>
+            </a:r>
+          </a:p>
+        </p:txBody>
+      </p:sp>
+      <p:cxnSp>
+        <p:nvCxnSpPr>
+          <p:cNvPr id="6" name="직선 연결선 5">
+            <a:extLst>
+              <a:ext uri="{FF2B5EF4-FFF2-40B4-BE49-F238E27FC236}">
+                <a16:creationId xmlns:a16="http://schemas.microsoft.com/office/drawing/2014/main" id="{3CAFC98D-1DA6-5CE0-43FD-6D3D9C8D3B4F}"/>
+              </a:ext>
+            </a:extLst>
+          </p:cNvPr>
+          <p:cNvCxnSpPr>
+            <a:cxnSpLocks/>
+          </p:cNvCxnSpPr>
+          <p:nvPr/>
+        </p:nvCxnSpPr>
+        <p:spPr>
+          <a:xfrm>
+            <a:off x="206188" y="724225"/>
+            <a:ext cx="8800026" cy="0"/>
+          </a:xfrm>
+          <a:prstGeom prst="line">
+            <a:avLst/>
+          </a:prstGeom>
+          <a:ln w="57150">
+            <a:solidFill>
+              <a:schemeClr val="accent1">
+                <a:lumMod val="75000"/>
+              </a:schemeClr>
+            </a:solidFill>
+          </a:ln>
+        </p:spPr>
+        <p:style>
+          <a:lnRef idx="1">
+            <a:schemeClr val="accent1"/>
+          </a:lnRef>
+          <a:fillRef idx="0">
+            <a:schemeClr val="accent1"/>
+          </a:fillRef>
+          <a:effectRef idx="0">
+            <a:schemeClr val="accent1"/>
+          </a:effectRef>
+          <a:fontRef idx="minor">
+            <a:schemeClr val="tx1"/>
+          </a:fontRef>
+        </p:style>
+      </p:cxnSp>
+      <p:sp>
+        <p:nvSpPr>
+          <p:cNvPr id="3" name="슬라이드 번호 개체 틀 2">
+            <a:extLst>
+              <a:ext uri="{FF2B5EF4-FFF2-40B4-BE49-F238E27FC236}">
+                <a16:creationId xmlns:a16="http://schemas.microsoft.com/office/drawing/2014/main" id="{4EC25071-CFFA-8C9C-CB7A-29C2F016666E}"/>
+              </a:ext>
+            </a:extLst>
+          </p:cNvPr>
+          <p:cNvSpPr>
+            <a:spLocks noGrp="1"/>
+          </p:cNvSpPr>
+          <p:nvPr>
+            <p:ph type="sldNum" sz="quarter" idx="12"/>
+          </p:nvPr>
+        </p:nvSpPr>
+        <p:spPr/>
+        <p:txBody>
+          <a:bodyPr/>
+          <a:lstStyle/>
+          <a:p>
+            <a:fld id="{4503EA79-8FE5-4AB7-9144-49D69278BFF0}" type="slidenum">
+              <a:rPr lang="ko-KR" altLang="en-US" smtClean="0"/>
+              <a:t>15</a:t>
+            </a:fld>
+            <a:endParaRPr lang="ko-KR" altLang="en-US"/>
+          </a:p>
+        </p:txBody>
+      </p:sp>
+      <p:sp>
+        <p:nvSpPr>
+          <p:cNvPr id="5" name="TextBox 4">
+            <a:extLst>
+              <a:ext uri="{FF2B5EF4-FFF2-40B4-BE49-F238E27FC236}">
+                <a16:creationId xmlns:a16="http://schemas.microsoft.com/office/drawing/2014/main" id="{70093FAC-E08C-C36C-3411-FB017CD464AA}"/>
+              </a:ext>
+            </a:extLst>
+          </p:cNvPr>
+          <p:cNvSpPr txBox="1"/>
+          <p:nvPr/>
+        </p:nvSpPr>
+        <p:spPr>
+          <a:xfrm>
+            <a:off x="152400" y="852110"/>
+            <a:ext cx="11833414" cy="5038367"/>
+          </a:xfrm>
+          <a:prstGeom prst="rect">
+            <a:avLst/>
+          </a:prstGeom>
+          <a:noFill/>
+        </p:spPr>
+        <p:txBody>
+          <a:bodyPr wrap="square" rtlCol="0">
+            <a:spAutoFit/>
+          </a:bodyPr>
+          <a:lstStyle/>
+          <a:p>
+            <a:pPr>
+              <a:lnSpc>
+                <a:spcPct val="150000"/>
+              </a:lnSpc>
+            </a:pPr>
+            <a:r>
+              <a:rPr lang="en-US" altLang="ko-KR" b="1" dirty="0">
+                <a:solidFill>
+                  <a:schemeClr val="accent1"/>
+                </a:solidFill>
+                <a:latin typeface="한컴 고딕" panose="02000500000000000000" pitchFamily="2" charset="-127"/>
+                <a:ea typeface="한컴 고딕" panose="02000500000000000000" pitchFamily="2" charset="-127"/>
+              </a:rPr>
+              <a:t>NDN</a:t>
+            </a:r>
+            <a:r>
+              <a:rPr lang="ko-KR" altLang="en-US" b="1" dirty="0">
+                <a:solidFill>
+                  <a:schemeClr val="accent1"/>
+                </a:solidFill>
+                <a:latin typeface="한컴 고딕" panose="02000500000000000000" pitchFamily="2" charset="-127"/>
+                <a:ea typeface="한컴 고딕" panose="02000500000000000000" pitchFamily="2" charset="-127"/>
+              </a:rPr>
+              <a:t>기반 </a:t>
+            </a:r>
+            <a:r>
+              <a:rPr lang="en-US" altLang="ko-KR" b="1" dirty="0">
+                <a:solidFill>
+                  <a:schemeClr val="accent1"/>
+                </a:solidFill>
+                <a:latin typeface="한컴 고딕" panose="02000500000000000000" pitchFamily="2" charset="-127"/>
+                <a:ea typeface="한컴 고딕" panose="02000500000000000000" pitchFamily="2" charset="-127"/>
+              </a:rPr>
+              <a:t>MANET</a:t>
+            </a:r>
+            <a:r>
+              <a:rPr lang="ko-KR" altLang="en-US" b="1" dirty="0">
+                <a:solidFill>
+                  <a:schemeClr val="accent1"/>
+                </a:solidFill>
+                <a:latin typeface="한컴 고딕" panose="02000500000000000000" pitchFamily="2" charset="-127"/>
+                <a:ea typeface="한컴 고딕" panose="02000500000000000000" pitchFamily="2" charset="-127"/>
+              </a:rPr>
+              <a:t>의 포워딩 전략</a:t>
+            </a:r>
+            <a:endParaRPr lang="en-US" altLang="ko-KR" b="1" dirty="0">
+              <a:solidFill>
+                <a:schemeClr val="accent1"/>
+              </a:solidFill>
+              <a:latin typeface="한컴 고딕" panose="02000500000000000000" pitchFamily="2" charset="-127"/>
+              <a:ea typeface="한컴 고딕" panose="02000500000000000000" pitchFamily="2" charset="-127"/>
+            </a:endParaRPr>
+          </a:p>
+          <a:p>
+            <a:pPr marL="342900" indent="-342900">
+              <a:lnSpc>
+                <a:spcPct val="150000"/>
+              </a:lnSpc>
+              <a:buFont typeface="Arial" panose="020B0604020202020204" pitchFamily="34" charset="0"/>
+              <a:buChar char="•"/>
+            </a:pPr>
+            <a:r>
+              <a:rPr lang="en-US" altLang="ko-KR" b="1" dirty="0" err="1">
+                <a:solidFill>
+                  <a:schemeClr val="tx1">
+                    <a:lumMod val="50000"/>
+                    <a:lumOff val="50000"/>
+                  </a:schemeClr>
+                </a:solidFill>
+                <a:latin typeface="한컴 고딕" panose="02000500000000000000" pitchFamily="2" charset="-127"/>
+                <a:ea typeface="한컴 고딕" panose="02000500000000000000" pitchFamily="2" charset="-127"/>
+              </a:rPr>
+              <a:t>Apdaptive</a:t>
+            </a:r>
+            <a:r>
+              <a:rPr lang="en-US" altLang="ko-KR" b="1" dirty="0">
+                <a:solidFill>
+                  <a:schemeClr val="tx1">
+                    <a:lumMod val="50000"/>
+                    <a:lumOff val="50000"/>
+                  </a:schemeClr>
+                </a:solidFill>
+                <a:latin typeface="한컴 고딕" panose="02000500000000000000" pitchFamily="2" charset="-127"/>
+                <a:ea typeface="한컴 고딕" panose="02000500000000000000" pitchFamily="2" charset="-127"/>
+              </a:rPr>
+              <a:t> Forwarding</a:t>
+            </a:r>
+          </a:p>
+          <a:p>
+            <a:pPr marL="800100" lvl="1" indent="-342900">
+              <a:lnSpc>
+                <a:spcPct val="150000"/>
+              </a:lnSpc>
+              <a:buFont typeface="Arial" panose="020B0604020202020204" pitchFamily="34" charset="0"/>
+              <a:buChar char="•"/>
+            </a:pPr>
+            <a:r>
+              <a:rPr lang="ko-KR" altLang="en-US" b="1" dirty="0">
+                <a:solidFill>
+                  <a:schemeClr val="tx1">
+                    <a:lumMod val="50000"/>
+                    <a:lumOff val="50000"/>
+                  </a:schemeClr>
+                </a:solidFill>
+                <a:latin typeface="한컴 고딕" panose="02000500000000000000" pitchFamily="2" charset="-127"/>
+                <a:ea typeface="한컴 고딕" panose="02000500000000000000" pitchFamily="2" charset="-127"/>
+              </a:rPr>
+              <a:t>데이터 패킷에 대해 가능한 최적 경로가 검색된다</a:t>
+            </a:r>
+            <a:r>
+              <a:rPr lang="en-US" altLang="ko-KR" b="1" dirty="0">
+                <a:solidFill>
+                  <a:schemeClr val="tx1">
+                    <a:lumMod val="50000"/>
+                    <a:lumOff val="50000"/>
+                  </a:schemeClr>
+                </a:solidFill>
+                <a:latin typeface="한컴 고딕" panose="02000500000000000000" pitchFamily="2" charset="-127"/>
+                <a:ea typeface="한컴 고딕" panose="02000500000000000000" pitchFamily="2" charset="-127"/>
+              </a:rPr>
+              <a:t>.</a:t>
+            </a:r>
+          </a:p>
+          <a:p>
+            <a:pPr marL="342900" indent="-342900">
+              <a:lnSpc>
+                <a:spcPct val="150000"/>
+              </a:lnSpc>
+              <a:buFont typeface="Arial" panose="020B0604020202020204" pitchFamily="34" charset="0"/>
+              <a:buChar char="•"/>
+            </a:pPr>
+            <a:r>
+              <a:rPr lang="en-US" altLang="ko-KR" b="1" dirty="0">
+                <a:solidFill>
+                  <a:schemeClr val="tx1">
+                    <a:lumMod val="50000"/>
+                    <a:lumOff val="50000"/>
+                  </a:schemeClr>
+                </a:solidFill>
+                <a:latin typeface="한컴 고딕" panose="02000500000000000000" pitchFamily="2" charset="-127"/>
+                <a:ea typeface="한컴 고딕" panose="02000500000000000000" pitchFamily="2" charset="-127"/>
+              </a:rPr>
+              <a:t>Blind Forwarding</a:t>
+            </a:r>
+          </a:p>
+          <a:p>
+            <a:pPr marL="800100" lvl="1" indent="-342900">
+              <a:lnSpc>
+                <a:spcPct val="150000"/>
+              </a:lnSpc>
+              <a:buFont typeface="Arial" panose="020B0604020202020204" pitchFamily="34" charset="0"/>
+              <a:buChar char="•"/>
+            </a:pPr>
+            <a:r>
+              <a:rPr lang="en-US" altLang="ko-KR" b="1" dirty="0">
+                <a:solidFill>
+                  <a:schemeClr val="tx1">
+                    <a:lumMod val="50000"/>
+                    <a:lumOff val="50000"/>
+                  </a:schemeClr>
+                </a:solidFill>
+                <a:latin typeface="한컴 고딕" panose="02000500000000000000" pitchFamily="2" charset="-127"/>
+                <a:ea typeface="한컴 고딕" panose="02000500000000000000" pitchFamily="2" charset="-127"/>
+              </a:rPr>
+              <a:t>Flooding </a:t>
+            </a:r>
+            <a:r>
+              <a:rPr lang="ko-KR" altLang="en-US" b="1" dirty="0">
+                <a:solidFill>
+                  <a:schemeClr val="tx1">
+                    <a:lumMod val="50000"/>
+                    <a:lumOff val="50000"/>
+                  </a:schemeClr>
+                </a:solidFill>
+                <a:latin typeface="한컴 고딕" panose="02000500000000000000" pitchFamily="2" charset="-127"/>
+                <a:ea typeface="한컴 고딕" panose="02000500000000000000" pitchFamily="2" charset="-127"/>
+              </a:rPr>
+              <a:t>메커니즘을 이용하여 </a:t>
+            </a:r>
+            <a:r>
+              <a:rPr lang="en-US" altLang="ko-KR" b="1" dirty="0">
+                <a:solidFill>
+                  <a:schemeClr val="tx1">
+                    <a:lumMod val="50000"/>
+                    <a:lumOff val="50000"/>
+                  </a:schemeClr>
+                </a:solidFill>
+                <a:latin typeface="한컴 고딕" panose="02000500000000000000" pitchFamily="2" charset="-127"/>
+                <a:ea typeface="한컴 고딕" panose="02000500000000000000" pitchFamily="2" charset="-127"/>
+              </a:rPr>
+              <a:t>Interest, Data </a:t>
+            </a:r>
+            <a:r>
+              <a:rPr lang="ko-KR" altLang="en-US" b="1" dirty="0">
+                <a:solidFill>
+                  <a:schemeClr val="tx1">
+                    <a:lumMod val="50000"/>
+                    <a:lumOff val="50000"/>
+                  </a:schemeClr>
+                </a:solidFill>
+                <a:latin typeface="한컴 고딕" panose="02000500000000000000" pitchFamily="2" charset="-127"/>
+                <a:ea typeface="한컴 고딕" panose="02000500000000000000" pitchFamily="2" charset="-127"/>
+              </a:rPr>
+              <a:t>패킷이 네트워크 전체에 </a:t>
+            </a:r>
+            <a:r>
+              <a:rPr lang="en-US" altLang="ko-KR" b="1" dirty="0">
+                <a:solidFill>
+                  <a:schemeClr val="tx1">
+                    <a:lumMod val="50000"/>
+                    <a:lumOff val="50000"/>
+                  </a:schemeClr>
+                </a:solidFill>
+                <a:latin typeface="한컴 고딕" panose="02000500000000000000" pitchFamily="2" charset="-127"/>
+                <a:ea typeface="한컴 고딕" panose="02000500000000000000" pitchFamily="2" charset="-127"/>
+              </a:rPr>
+              <a:t>Flooding </a:t>
+            </a:r>
+            <a:r>
+              <a:rPr lang="ko-KR" altLang="en-US" b="1" dirty="0">
+                <a:solidFill>
+                  <a:schemeClr val="tx1">
+                    <a:lumMod val="50000"/>
+                    <a:lumOff val="50000"/>
+                  </a:schemeClr>
+                </a:solidFill>
+                <a:latin typeface="한컴 고딕" panose="02000500000000000000" pitchFamily="2" charset="-127"/>
+                <a:ea typeface="한컴 고딕" panose="02000500000000000000" pitchFamily="2" charset="-127"/>
+              </a:rPr>
+              <a:t>된다</a:t>
+            </a:r>
+            <a:r>
+              <a:rPr lang="en-US" altLang="ko-KR" b="1" dirty="0">
+                <a:solidFill>
+                  <a:schemeClr val="tx1">
+                    <a:lumMod val="50000"/>
+                    <a:lumOff val="50000"/>
+                  </a:schemeClr>
+                </a:solidFill>
+                <a:latin typeface="한컴 고딕" panose="02000500000000000000" pitchFamily="2" charset="-127"/>
+                <a:ea typeface="한컴 고딕" panose="02000500000000000000" pitchFamily="2" charset="-127"/>
+              </a:rPr>
+              <a:t>.</a:t>
+            </a:r>
+          </a:p>
+          <a:p>
+            <a:pPr marL="342900" indent="-342900">
+              <a:lnSpc>
+                <a:spcPct val="150000"/>
+              </a:lnSpc>
+              <a:buFont typeface="Arial" panose="020B0604020202020204" pitchFamily="34" charset="0"/>
+              <a:buChar char="•"/>
+            </a:pPr>
+            <a:r>
+              <a:rPr lang="en-US" altLang="ko-KR" b="1" dirty="0">
+                <a:solidFill>
+                  <a:schemeClr val="tx1">
+                    <a:lumMod val="50000"/>
+                    <a:lumOff val="50000"/>
+                  </a:schemeClr>
+                </a:solidFill>
+                <a:latin typeface="한컴 고딕" panose="02000500000000000000" pitchFamily="2" charset="-127"/>
+                <a:ea typeface="한컴 고딕" panose="02000500000000000000" pitchFamily="2" charset="-127"/>
+              </a:rPr>
+              <a:t>Aware Forwarding</a:t>
+            </a:r>
+          </a:p>
+          <a:p>
+            <a:pPr marL="800100" lvl="1" indent="-342900">
+              <a:lnSpc>
+                <a:spcPct val="150000"/>
+              </a:lnSpc>
+              <a:buFont typeface="Arial" panose="020B0604020202020204" pitchFamily="34" charset="0"/>
+              <a:buChar char="•"/>
+            </a:pPr>
+            <a:r>
+              <a:rPr lang="en-US" altLang="ko-KR" b="1" dirty="0">
+                <a:solidFill>
+                  <a:schemeClr val="tx1">
+                    <a:lumMod val="50000"/>
+                    <a:lumOff val="50000"/>
+                  </a:schemeClr>
+                </a:solidFill>
+                <a:latin typeface="한컴 고딕" panose="02000500000000000000" pitchFamily="2" charset="-127"/>
+                <a:ea typeface="한컴 고딕" panose="02000500000000000000" pitchFamily="2" charset="-127"/>
+              </a:rPr>
+              <a:t>Interest, Data </a:t>
+            </a:r>
+            <a:r>
+              <a:rPr lang="ko-KR" altLang="en-US" b="1" dirty="0">
+                <a:solidFill>
+                  <a:schemeClr val="tx1">
+                    <a:lumMod val="50000"/>
+                    <a:lumOff val="50000"/>
+                  </a:schemeClr>
+                </a:solidFill>
+                <a:latin typeface="한컴 고딕" panose="02000500000000000000" pitchFamily="2" charset="-127"/>
+                <a:ea typeface="한컴 고딕" panose="02000500000000000000" pitchFamily="2" charset="-127"/>
+              </a:rPr>
+              <a:t>패킷이 다음 </a:t>
+            </a:r>
+            <a:r>
+              <a:rPr lang="en-US" altLang="ko-KR" b="1" dirty="0">
+                <a:solidFill>
+                  <a:schemeClr val="tx1">
+                    <a:lumMod val="50000"/>
+                    <a:lumOff val="50000"/>
+                  </a:schemeClr>
+                </a:solidFill>
+                <a:latin typeface="한컴 고딕" panose="02000500000000000000" pitchFamily="2" charset="-127"/>
+                <a:ea typeface="한컴 고딕" panose="02000500000000000000" pitchFamily="2" charset="-127"/>
+              </a:rPr>
+              <a:t>Hop, </a:t>
+            </a:r>
+            <a:r>
+              <a:rPr lang="ko-KR" altLang="en-US" b="1" dirty="0">
+                <a:solidFill>
+                  <a:schemeClr val="tx1">
+                    <a:lumMod val="50000"/>
+                    <a:lumOff val="50000"/>
+                  </a:schemeClr>
+                </a:solidFill>
+                <a:latin typeface="한컴 고딕" panose="02000500000000000000" pitchFamily="2" charset="-127"/>
+                <a:ea typeface="한컴 고딕" panose="02000500000000000000" pitchFamily="2" charset="-127"/>
+              </a:rPr>
+              <a:t>이웃 노드</a:t>
+            </a:r>
+            <a:r>
+              <a:rPr lang="en-US" altLang="ko-KR" b="1" dirty="0">
+                <a:solidFill>
+                  <a:schemeClr val="tx1">
+                    <a:lumMod val="50000"/>
+                    <a:lumOff val="50000"/>
+                  </a:schemeClr>
+                </a:solidFill>
+                <a:latin typeface="한컴 고딕" panose="02000500000000000000" pitchFamily="2" charset="-127"/>
+                <a:ea typeface="한컴 고딕" panose="02000500000000000000" pitchFamily="2" charset="-127"/>
+              </a:rPr>
+              <a:t>, </a:t>
+            </a:r>
+            <a:r>
+              <a:rPr lang="ko-KR" altLang="en-US" b="1" dirty="0">
+                <a:solidFill>
+                  <a:schemeClr val="tx1">
+                    <a:lumMod val="50000"/>
+                    <a:lumOff val="50000"/>
+                  </a:schemeClr>
+                </a:solidFill>
+                <a:latin typeface="한컴 고딕" panose="02000500000000000000" pitchFamily="2" charset="-127"/>
+                <a:ea typeface="한컴 고딕" panose="02000500000000000000" pitchFamily="2" charset="-127"/>
+              </a:rPr>
+              <a:t>네트워크</a:t>
+            </a:r>
+            <a:r>
+              <a:rPr lang="en-US" altLang="ko-KR" b="1" dirty="0">
+                <a:solidFill>
+                  <a:schemeClr val="tx1">
+                    <a:lumMod val="50000"/>
+                    <a:lumOff val="50000"/>
+                  </a:schemeClr>
+                </a:solidFill>
+                <a:latin typeface="한컴 고딕" panose="02000500000000000000" pitchFamily="2" charset="-127"/>
+                <a:ea typeface="한컴 고딕" panose="02000500000000000000" pitchFamily="2" charset="-127"/>
+              </a:rPr>
+              <a:t>, </a:t>
+            </a:r>
+            <a:r>
+              <a:rPr lang="ko-KR" altLang="en-US" b="1" dirty="0">
+                <a:solidFill>
+                  <a:schemeClr val="tx1">
+                    <a:lumMod val="50000"/>
+                    <a:lumOff val="50000"/>
+                  </a:schemeClr>
+                </a:solidFill>
+                <a:latin typeface="한컴 고딕" panose="02000500000000000000" pitchFamily="2" charset="-127"/>
+                <a:ea typeface="한컴 고딕" panose="02000500000000000000" pitchFamily="2" charset="-127"/>
+              </a:rPr>
+              <a:t>패킷이 통신 중인 </a:t>
+            </a:r>
+            <a:r>
+              <a:rPr lang="ko-KR" altLang="en-US" b="1" dirty="0" err="1">
+                <a:solidFill>
+                  <a:schemeClr val="tx1">
+                    <a:lumMod val="50000"/>
+                    <a:lumOff val="50000"/>
+                  </a:schemeClr>
+                </a:solidFill>
+                <a:latin typeface="한컴 고딕" panose="02000500000000000000" pitchFamily="2" charset="-127"/>
+                <a:ea typeface="한컴 고딕" panose="02000500000000000000" pitchFamily="2" charset="-127"/>
+              </a:rPr>
+              <a:t>콘텍스트</a:t>
+            </a:r>
+            <a:r>
+              <a:rPr lang="en-US" altLang="ko-KR" b="1" dirty="0">
+                <a:solidFill>
+                  <a:schemeClr val="tx1">
+                    <a:lumMod val="50000"/>
+                    <a:lumOff val="50000"/>
+                  </a:schemeClr>
+                </a:solidFill>
+                <a:latin typeface="한컴 고딕" panose="02000500000000000000" pitchFamily="2" charset="-127"/>
+                <a:ea typeface="한컴 고딕" panose="02000500000000000000" pitchFamily="2" charset="-127"/>
+              </a:rPr>
+              <a:t>, </a:t>
+            </a:r>
+            <a:r>
+              <a:rPr lang="ko-KR" altLang="en-US" b="1" dirty="0">
+                <a:solidFill>
+                  <a:schemeClr val="tx1">
+                    <a:lumMod val="50000"/>
+                    <a:lumOff val="50000"/>
+                  </a:schemeClr>
+                </a:solidFill>
+                <a:latin typeface="한컴 고딕" panose="02000500000000000000" pitchFamily="2" charset="-127"/>
+                <a:ea typeface="한컴 고딕" panose="02000500000000000000" pitchFamily="2" charset="-127"/>
+              </a:rPr>
+              <a:t>위치</a:t>
+            </a:r>
+            <a:r>
+              <a:rPr lang="en-US" altLang="ko-KR" b="1" dirty="0">
+                <a:solidFill>
+                  <a:schemeClr val="tx1">
+                    <a:lumMod val="50000"/>
+                    <a:lumOff val="50000"/>
+                  </a:schemeClr>
+                </a:solidFill>
+                <a:latin typeface="한컴 고딕" panose="02000500000000000000" pitchFamily="2" charset="-127"/>
+                <a:ea typeface="한컴 고딕" panose="02000500000000000000" pitchFamily="2" charset="-127"/>
+              </a:rPr>
+              <a:t>, </a:t>
+            </a:r>
+            <a:r>
+              <a:rPr lang="ko-KR" altLang="en-US" b="1" dirty="0">
+                <a:solidFill>
+                  <a:schemeClr val="tx1">
+                    <a:lumMod val="50000"/>
+                    <a:lumOff val="50000"/>
+                  </a:schemeClr>
+                </a:solidFill>
+                <a:latin typeface="한컴 고딕" panose="02000500000000000000" pitchFamily="2" charset="-127"/>
+                <a:ea typeface="한컴 고딕" panose="02000500000000000000" pitchFamily="2" charset="-127"/>
+              </a:rPr>
+              <a:t>공급자 등 다양한 환경을 인지한다</a:t>
+            </a:r>
+            <a:r>
+              <a:rPr lang="en-US" altLang="ko-KR" b="1" dirty="0">
+                <a:solidFill>
+                  <a:schemeClr val="tx1">
+                    <a:lumMod val="50000"/>
+                    <a:lumOff val="50000"/>
+                  </a:schemeClr>
+                </a:solidFill>
+                <a:latin typeface="한컴 고딕" panose="02000500000000000000" pitchFamily="2" charset="-127"/>
+                <a:ea typeface="한컴 고딕" panose="02000500000000000000" pitchFamily="2" charset="-127"/>
+              </a:rPr>
+              <a:t>.</a:t>
+            </a:r>
+          </a:p>
+          <a:p>
+            <a:pPr marL="342900" indent="-342900">
+              <a:lnSpc>
+                <a:spcPct val="150000"/>
+              </a:lnSpc>
+              <a:buFont typeface="Arial" panose="020B0604020202020204" pitchFamily="34" charset="0"/>
+              <a:buChar char="•"/>
+            </a:pPr>
+            <a:r>
+              <a:rPr lang="en-US" altLang="ko-KR" b="1" dirty="0">
+                <a:solidFill>
+                  <a:schemeClr val="tx1">
+                    <a:lumMod val="50000"/>
+                    <a:lumOff val="50000"/>
+                  </a:schemeClr>
+                </a:solidFill>
+                <a:latin typeface="한컴 고딕" panose="02000500000000000000" pitchFamily="2" charset="-127"/>
+                <a:ea typeface="한컴 고딕" panose="02000500000000000000" pitchFamily="2" charset="-127"/>
+              </a:rPr>
+              <a:t>Energy Efficient Forwarding</a:t>
+            </a:r>
+          </a:p>
+          <a:p>
+            <a:pPr marL="800100" lvl="1" indent="-342900">
+              <a:lnSpc>
+                <a:spcPct val="150000"/>
+              </a:lnSpc>
+              <a:buFont typeface="Arial" panose="020B0604020202020204" pitchFamily="34" charset="0"/>
+              <a:buChar char="•"/>
+            </a:pPr>
+            <a:r>
+              <a:rPr lang="en-US" altLang="ko-KR" b="1" dirty="0">
+                <a:solidFill>
+                  <a:schemeClr val="tx1">
+                    <a:lumMod val="50000"/>
+                    <a:lumOff val="50000"/>
+                  </a:schemeClr>
+                </a:solidFill>
+                <a:latin typeface="한컴 고딕" panose="02000500000000000000" pitchFamily="2" charset="-127"/>
+                <a:ea typeface="한컴 고딕" panose="02000500000000000000" pitchFamily="2" charset="-127"/>
+              </a:rPr>
+              <a:t>MANET </a:t>
+            </a:r>
+            <a:r>
+              <a:rPr lang="ko-KR" altLang="en-US" b="1" dirty="0">
+                <a:solidFill>
+                  <a:schemeClr val="tx1">
+                    <a:lumMod val="50000"/>
+                    <a:lumOff val="50000"/>
+                  </a:schemeClr>
+                </a:solidFill>
+                <a:latin typeface="한컴 고딕" panose="02000500000000000000" pitchFamily="2" charset="-127"/>
+                <a:ea typeface="한컴 고딕" panose="02000500000000000000" pitchFamily="2" charset="-127"/>
+              </a:rPr>
+              <a:t>통신 참여 매체의 소비 에너지를 줄이는 기법</a:t>
+            </a:r>
+            <a:endParaRPr lang="en-US" altLang="ko-KR" b="1" dirty="0">
+              <a:solidFill>
+                <a:schemeClr val="tx1">
+                  <a:lumMod val="50000"/>
+                  <a:lumOff val="50000"/>
+                </a:schemeClr>
+              </a:solidFill>
+              <a:latin typeface="한컴 고딕" panose="02000500000000000000" pitchFamily="2" charset="-127"/>
+              <a:ea typeface="한컴 고딕" panose="02000500000000000000" pitchFamily="2" charset="-127"/>
+            </a:endParaRPr>
+          </a:p>
+          <a:p>
+            <a:pPr marL="342900" indent="-342900">
+              <a:lnSpc>
+                <a:spcPct val="150000"/>
+              </a:lnSpc>
+              <a:buFont typeface="Arial" panose="020B0604020202020204" pitchFamily="34" charset="0"/>
+              <a:buChar char="•"/>
+            </a:pPr>
+            <a:r>
+              <a:rPr lang="en-US" altLang="ko-KR" b="1" dirty="0">
+                <a:solidFill>
+                  <a:schemeClr val="tx1">
+                    <a:lumMod val="50000"/>
+                    <a:lumOff val="50000"/>
+                  </a:schemeClr>
+                </a:solidFill>
+                <a:latin typeface="한컴 고딕" panose="02000500000000000000" pitchFamily="2" charset="-127"/>
+                <a:ea typeface="한컴 고딕" panose="02000500000000000000" pitchFamily="2" charset="-127"/>
+              </a:rPr>
+              <a:t>Congestion Control Forwarding</a:t>
+            </a:r>
+          </a:p>
+          <a:p>
+            <a:pPr marL="800100" lvl="1" indent="-342900">
+              <a:lnSpc>
+                <a:spcPct val="150000"/>
+              </a:lnSpc>
+              <a:buFont typeface="Arial" panose="020B0604020202020204" pitchFamily="34" charset="0"/>
+              <a:buChar char="•"/>
+            </a:pPr>
+            <a:r>
+              <a:rPr lang="en-US" altLang="ko-KR" b="1" dirty="0">
+                <a:solidFill>
+                  <a:schemeClr val="tx1">
+                    <a:lumMod val="50000"/>
+                    <a:lumOff val="50000"/>
+                  </a:schemeClr>
+                </a:solidFill>
+                <a:latin typeface="한컴 고딕" panose="02000500000000000000" pitchFamily="2" charset="-127"/>
+                <a:ea typeface="한컴 고딕" panose="02000500000000000000" pitchFamily="2" charset="-127"/>
+              </a:rPr>
+              <a:t>Flooding</a:t>
+            </a:r>
+            <a:r>
+              <a:rPr lang="ko-KR" altLang="en-US" b="1" dirty="0">
+                <a:solidFill>
+                  <a:schemeClr val="tx1">
+                    <a:lumMod val="50000"/>
+                    <a:lumOff val="50000"/>
+                  </a:schemeClr>
+                </a:solidFill>
+                <a:latin typeface="한컴 고딕" panose="02000500000000000000" pitchFamily="2" charset="-127"/>
+                <a:ea typeface="한컴 고딕" panose="02000500000000000000" pitchFamily="2" charset="-127"/>
+              </a:rPr>
+              <a:t>으로 인한 네트워크 혼잡을 완화시킨다</a:t>
+            </a:r>
+            <a:r>
+              <a:rPr lang="en-US" altLang="ko-KR" b="1" dirty="0">
+                <a:solidFill>
+                  <a:schemeClr val="tx1">
+                    <a:lumMod val="50000"/>
+                    <a:lumOff val="50000"/>
+                  </a:schemeClr>
+                </a:solidFill>
+                <a:latin typeface="한컴 고딕" panose="02000500000000000000" pitchFamily="2" charset="-127"/>
+                <a:ea typeface="한컴 고딕" panose="02000500000000000000" pitchFamily="2" charset="-127"/>
+              </a:rPr>
+              <a:t>.</a:t>
+            </a:r>
+          </a:p>
+        </p:txBody>
+      </p:sp>
+    </p:spTree>
+    <p:extLst>
+      <p:ext uri="{BB962C8B-B14F-4D97-AF65-F5344CB8AC3E}">
+        <p14:creationId xmlns:p14="http://schemas.microsoft.com/office/powerpoint/2010/main" val="1734176771"/>
+      </p:ext>
+    </p:extLst>
+  </p:cSld>
+  <p:clrMapOvr>
+    <a:masterClrMapping/>
+  </p:clrMapOvr>
+</p:sld>
+</file>
+
+<file path=ppt/slides/slide16.xml><?xml version="1.0" encoding="utf-8"?>
+<p:sld xmlns:a="http://schemas.openxmlformats.org/drawingml/2006/main" xmlns:r="http://schemas.openxmlformats.org/officeDocument/2006/relationships" xmlns:p="http://schemas.openxmlformats.org/presentationml/2006/main">
+  <p:cSld>
+    <p:spTree>
+      <p:nvGrpSpPr>
+        <p:cNvPr id="1" name=""/>
+        <p:cNvGrpSpPr/>
+        <p:nvPr/>
+      </p:nvGrpSpPr>
+      <p:grpSpPr>
+        <a:xfrm>
+          <a:off x="0" y="0"/>
+          <a:ext cx="0" cy="0"/>
+          <a:chOff x="0" y="0"/>
+          <a:chExt cx="0" cy="0"/>
+        </a:xfrm>
+      </p:grpSpPr>
+      <p:sp>
+        <p:nvSpPr>
+          <p:cNvPr id="2" name="TextBox 1">
+            <a:extLst>
+              <a:ext uri="{FF2B5EF4-FFF2-40B4-BE49-F238E27FC236}">
+                <a16:creationId xmlns:a16="http://schemas.microsoft.com/office/drawing/2014/main" id="{21A7DBE9-2DE9-F0B6-F5C5-7DB6C44D8D28}"/>
+              </a:ext>
+            </a:extLst>
+          </p:cNvPr>
+          <p:cNvSpPr txBox="1"/>
+          <p:nvPr/>
+        </p:nvSpPr>
+        <p:spPr>
+          <a:xfrm>
+            <a:off x="570947" y="966787"/>
+            <a:ext cx="7295238" cy="2462213"/>
+          </a:xfrm>
+          <a:prstGeom prst="rect">
+            <a:avLst/>
+          </a:prstGeom>
+          <a:noFill/>
+        </p:spPr>
+        <p:txBody>
+          <a:bodyPr wrap="square" rtlCol="0">
+            <a:spAutoFit/>
+          </a:bodyPr>
+          <a:lstStyle/>
+          <a:p>
+            <a:pPr algn="just"/>
+            <a:r>
+              <a:rPr lang="en-US" altLang="ko-KR" sz="5400" dirty="0">
+                <a:solidFill>
+                  <a:schemeClr val="tx1">
+                    <a:lumMod val="65000"/>
+                    <a:lumOff val="35000"/>
+                  </a:schemeClr>
+                </a:solidFill>
+                <a:latin typeface="배달의민족 도현" panose="020B0600000101010101" pitchFamily="50" charset="-127"/>
+                <a:ea typeface="배달의민족 도현" panose="020B0600000101010101" pitchFamily="50" charset="-127"/>
+              </a:rPr>
+              <a:t>Forwarding in</a:t>
+            </a:r>
+          </a:p>
+          <a:p>
+            <a:pPr algn="just"/>
+            <a:r>
+              <a:rPr lang="en-US" altLang="ko-KR" sz="5000" dirty="0">
+                <a:solidFill>
+                  <a:schemeClr val="tx1">
+                    <a:lumMod val="65000"/>
+                    <a:lumOff val="35000"/>
+                  </a:schemeClr>
+                </a:solidFill>
+                <a:latin typeface="배달의민족 도현" panose="020B0600000101010101" pitchFamily="50" charset="-127"/>
+                <a:ea typeface="배달의민족 도현" panose="020B0600000101010101" pitchFamily="50" charset="-127"/>
+              </a:rPr>
+              <a:t>NDN based Vehicular Ad Hoc Networks</a:t>
+            </a:r>
+          </a:p>
+        </p:txBody>
+      </p:sp>
+      <p:sp>
+        <p:nvSpPr>
+          <p:cNvPr id="3" name="슬라이드 번호 개체 틀 2">
+            <a:extLst>
+              <a:ext uri="{FF2B5EF4-FFF2-40B4-BE49-F238E27FC236}">
+                <a16:creationId xmlns:a16="http://schemas.microsoft.com/office/drawing/2014/main" id="{CE2C3055-3767-2EC3-17AD-3FDE29F361B0}"/>
+              </a:ext>
+            </a:extLst>
+          </p:cNvPr>
+          <p:cNvSpPr>
+            <a:spLocks noGrp="1"/>
+          </p:cNvSpPr>
+          <p:nvPr>
+            <p:ph type="sldNum" sz="quarter" idx="12"/>
+          </p:nvPr>
+        </p:nvSpPr>
+        <p:spPr/>
+        <p:txBody>
+          <a:bodyPr/>
+          <a:lstStyle/>
+          <a:p>
+            <a:fld id="{4503EA79-8FE5-4AB7-9144-49D69278BFF0}" type="slidenum">
+              <a:rPr lang="ko-KR" altLang="en-US" smtClean="0"/>
+              <a:t>16</a:t>
+            </a:fld>
+            <a:endParaRPr lang="ko-KR" altLang="en-US"/>
+          </a:p>
+        </p:txBody>
+      </p:sp>
+      <p:cxnSp>
+        <p:nvCxnSpPr>
+          <p:cNvPr id="4" name="직선 연결선 3">
+            <a:extLst>
+              <a:ext uri="{FF2B5EF4-FFF2-40B4-BE49-F238E27FC236}">
+                <a16:creationId xmlns:a16="http://schemas.microsoft.com/office/drawing/2014/main" id="{00650591-D617-465F-DFD1-82178FC4CBF0}"/>
+              </a:ext>
+            </a:extLst>
+          </p:cNvPr>
+          <p:cNvCxnSpPr>
+            <a:cxnSpLocks/>
+          </p:cNvCxnSpPr>
+          <p:nvPr/>
+        </p:nvCxnSpPr>
+        <p:spPr>
+          <a:xfrm>
+            <a:off x="570947" y="3429000"/>
+            <a:ext cx="9737974" cy="0"/>
+          </a:xfrm>
+          <a:prstGeom prst="line">
+            <a:avLst/>
+          </a:prstGeom>
+          <a:ln w="57150">
+            <a:solidFill>
+              <a:schemeClr val="accent1">
+                <a:lumMod val="75000"/>
+              </a:schemeClr>
+            </a:solidFill>
+          </a:ln>
+        </p:spPr>
+        <p:style>
+          <a:lnRef idx="1">
+            <a:schemeClr val="accent1"/>
+          </a:lnRef>
+          <a:fillRef idx="0">
+            <a:schemeClr val="accent1"/>
+          </a:fillRef>
+          <a:effectRef idx="0">
+            <a:schemeClr val="accent1"/>
+          </a:effectRef>
+          <a:fontRef idx="minor">
+            <a:schemeClr val="tx1"/>
+          </a:fontRef>
+        </p:style>
+      </p:cxnSp>
+      <p:sp>
+        <p:nvSpPr>
+          <p:cNvPr id="7" name="직사각형 6">
+            <a:extLst>
+              <a:ext uri="{FF2B5EF4-FFF2-40B4-BE49-F238E27FC236}">
+                <a16:creationId xmlns:a16="http://schemas.microsoft.com/office/drawing/2014/main" id="{A2519E08-BC8B-64F6-779D-97498F7134AE}"/>
+              </a:ext>
+            </a:extLst>
+          </p:cNvPr>
+          <p:cNvSpPr/>
+          <p:nvPr/>
+        </p:nvSpPr>
+        <p:spPr>
+          <a:xfrm>
+            <a:off x="0" y="0"/>
+            <a:ext cx="12192000" cy="6858000"/>
+          </a:xfrm>
+          <a:prstGeom prst="rect">
+            <a:avLst/>
+          </a:prstGeom>
+          <a:noFill/>
+          <a:ln w="190500">
+            <a:solidFill>
+              <a:schemeClr val="accent1">
+                <a:lumMod val="75000"/>
+              </a:schemeClr>
+            </a:solidFill>
+          </a:ln>
+        </p:spPr>
+        <p:style>
+          <a:lnRef idx="2">
+            <a:schemeClr val="accent1">
+              <a:shade val="50000"/>
+            </a:schemeClr>
+          </a:lnRef>
+          <a:fillRef idx="1">
+            <a:schemeClr val="accent1"/>
+          </a:fillRef>
+          <a:effectRef idx="0">
+            <a:schemeClr val="accent1"/>
+          </a:effectRef>
+          <a:fontRef idx="minor">
+            <a:schemeClr val="lt1"/>
+          </a:fontRef>
+        </p:style>
+        <p:txBody>
+          <a:bodyPr rtlCol="0" anchor="ctr"/>
+          <a:lstStyle/>
+          <a:p>
+            <a:pPr algn="ctr"/>
+            <a:endParaRPr lang="ko-KR" altLang="en-US" dirty="0"/>
+          </a:p>
+        </p:txBody>
+      </p:sp>
+    </p:spTree>
+    <p:extLst>
+      <p:ext uri="{BB962C8B-B14F-4D97-AF65-F5344CB8AC3E}">
+        <p14:creationId xmlns:p14="http://schemas.microsoft.com/office/powerpoint/2010/main" val="521841207"/>
+      </p:ext>
+    </p:extLst>
+  </p:cSld>
+  <p:clrMapOvr>
+    <a:masterClrMapping/>
+  </p:clrMapOvr>
+</p:sld>
+</file>
+
+<file path=ppt/slides/slide17.xml><?xml version="1.0" encoding="utf-8"?>
+<p:sld xmlns:a="http://schemas.openxmlformats.org/drawingml/2006/main" xmlns:r="http://schemas.openxmlformats.org/officeDocument/2006/relationships" xmlns:p="http://schemas.openxmlformats.org/presentationml/2006/main">
+  <p:cSld>
+    <p:spTree>
+      <p:nvGrpSpPr>
+        <p:cNvPr id="1" name=""/>
+        <p:cNvGrpSpPr/>
+        <p:nvPr/>
+      </p:nvGrpSpPr>
+      <p:grpSpPr>
+        <a:xfrm>
+          <a:off x="0" y="0"/>
+          <a:ext cx="0" cy="0"/>
+          <a:chOff x="0" y="0"/>
+          <a:chExt cx="0" cy="0"/>
+        </a:xfrm>
+      </p:grpSpPr>
+      <p:sp>
+        <p:nvSpPr>
+          <p:cNvPr id="2" name="TextBox 1">
+            <a:extLst>
+              <a:ext uri="{FF2B5EF4-FFF2-40B4-BE49-F238E27FC236}">
+                <a16:creationId xmlns:a16="http://schemas.microsoft.com/office/drawing/2014/main" id="{21A7DBE9-2DE9-F0B6-F5C5-7DB6C44D8D28}"/>
+              </a:ext>
+            </a:extLst>
+          </p:cNvPr>
+          <p:cNvSpPr txBox="1"/>
+          <p:nvPr/>
+        </p:nvSpPr>
+        <p:spPr>
+          <a:xfrm>
+            <a:off x="143435" y="130844"/>
+            <a:ext cx="11905130" cy="584775"/>
+          </a:xfrm>
+          <a:prstGeom prst="rect">
+            <a:avLst/>
+          </a:prstGeom>
+          <a:noFill/>
+        </p:spPr>
+        <p:txBody>
+          <a:bodyPr wrap="square" rtlCol="0">
+            <a:spAutoFit/>
+          </a:bodyPr>
+          <a:lstStyle/>
+          <a:p>
+            <a:pPr algn="just"/>
+            <a:r>
+              <a:rPr lang="en-US" altLang="ko-KR" sz="3200" dirty="0">
+                <a:solidFill>
+                  <a:schemeClr val="tx1">
+                    <a:lumMod val="65000"/>
+                    <a:lumOff val="35000"/>
+                  </a:schemeClr>
+                </a:solidFill>
+                <a:latin typeface="배달의민족 도현" panose="020B0600000101010101" pitchFamily="50" charset="-127"/>
+                <a:ea typeface="배달의민족 도현" panose="020B0600000101010101" pitchFamily="50" charset="-127"/>
+              </a:rPr>
+              <a:t>Forwarding in NDN based Vehicular Ad Hoc Networks</a:t>
+            </a:r>
+          </a:p>
+        </p:txBody>
+      </p:sp>
+      <p:cxnSp>
+        <p:nvCxnSpPr>
+          <p:cNvPr id="6" name="직선 연결선 5">
+            <a:extLst>
+              <a:ext uri="{FF2B5EF4-FFF2-40B4-BE49-F238E27FC236}">
+                <a16:creationId xmlns:a16="http://schemas.microsoft.com/office/drawing/2014/main" id="{3CAFC98D-1DA6-5CE0-43FD-6D3D9C8D3B4F}"/>
+              </a:ext>
+            </a:extLst>
+          </p:cNvPr>
+          <p:cNvCxnSpPr>
+            <a:cxnSpLocks/>
+          </p:cNvCxnSpPr>
+          <p:nvPr/>
+        </p:nvCxnSpPr>
+        <p:spPr>
+          <a:xfrm>
+            <a:off x="206188" y="724225"/>
+            <a:ext cx="11141750" cy="0"/>
+          </a:xfrm>
+          <a:prstGeom prst="line">
+            <a:avLst/>
+          </a:prstGeom>
+          <a:ln w="57150">
+            <a:solidFill>
+              <a:schemeClr val="accent1">
+                <a:lumMod val="75000"/>
+              </a:schemeClr>
+            </a:solidFill>
+          </a:ln>
+        </p:spPr>
+        <p:style>
+          <a:lnRef idx="1">
+            <a:schemeClr val="accent1"/>
+          </a:lnRef>
+          <a:fillRef idx="0">
+            <a:schemeClr val="accent1"/>
+          </a:fillRef>
+          <a:effectRef idx="0">
+            <a:schemeClr val="accent1"/>
+          </a:effectRef>
+          <a:fontRef idx="minor">
+            <a:schemeClr val="tx1"/>
+          </a:fontRef>
+        </p:style>
+      </p:cxnSp>
+      <p:sp>
+        <p:nvSpPr>
+          <p:cNvPr id="3" name="슬라이드 번호 개체 틀 2">
+            <a:extLst>
+              <a:ext uri="{FF2B5EF4-FFF2-40B4-BE49-F238E27FC236}">
+                <a16:creationId xmlns:a16="http://schemas.microsoft.com/office/drawing/2014/main" id="{4EC25071-CFFA-8C9C-CB7A-29C2F016666E}"/>
+              </a:ext>
+            </a:extLst>
+          </p:cNvPr>
+          <p:cNvSpPr>
+            <a:spLocks noGrp="1"/>
+          </p:cNvSpPr>
+          <p:nvPr>
+            <p:ph type="sldNum" sz="quarter" idx="12"/>
+          </p:nvPr>
+        </p:nvSpPr>
+        <p:spPr/>
+        <p:txBody>
+          <a:bodyPr/>
+          <a:lstStyle/>
+          <a:p>
+            <a:fld id="{4503EA79-8FE5-4AB7-9144-49D69278BFF0}" type="slidenum">
+              <a:rPr lang="ko-KR" altLang="en-US" smtClean="0"/>
+              <a:t>17</a:t>
+            </a:fld>
+            <a:endParaRPr lang="ko-KR" altLang="en-US"/>
+          </a:p>
+        </p:txBody>
+      </p:sp>
+      <p:sp>
+        <p:nvSpPr>
+          <p:cNvPr id="5" name="TextBox 4">
+            <a:extLst>
+              <a:ext uri="{FF2B5EF4-FFF2-40B4-BE49-F238E27FC236}">
+                <a16:creationId xmlns:a16="http://schemas.microsoft.com/office/drawing/2014/main" id="{70093FAC-E08C-C36C-3411-FB017CD464AA}"/>
+              </a:ext>
+            </a:extLst>
+          </p:cNvPr>
+          <p:cNvSpPr txBox="1"/>
+          <p:nvPr/>
+        </p:nvSpPr>
+        <p:spPr>
+          <a:xfrm>
+            <a:off x="152400" y="852110"/>
+            <a:ext cx="11833414" cy="4207370"/>
+          </a:xfrm>
+          <a:prstGeom prst="rect">
+            <a:avLst/>
+          </a:prstGeom>
+          <a:noFill/>
+        </p:spPr>
+        <p:txBody>
+          <a:bodyPr wrap="square" rtlCol="0">
+            <a:spAutoFit/>
+          </a:bodyPr>
+          <a:lstStyle/>
+          <a:p>
+            <a:pPr>
+              <a:lnSpc>
+                <a:spcPct val="150000"/>
+              </a:lnSpc>
+            </a:pPr>
+            <a:r>
+              <a:rPr lang="en-US" altLang="ko-KR" b="1" dirty="0">
+                <a:solidFill>
+                  <a:schemeClr val="accent1"/>
+                </a:solidFill>
+                <a:latin typeface="한컴 고딕" panose="02000500000000000000" pitchFamily="2" charset="-127"/>
+                <a:ea typeface="한컴 고딕" panose="02000500000000000000" pitchFamily="2" charset="-127"/>
+              </a:rPr>
+              <a:t>VANET(Vehicular Ad Hoc Network)</a:t>
+            </a:r>
+          </a:p>
+          <a:p>
+            <a:pPr marL="342900" indent="-342900">
+              <a:lnSpc>
+                <a:spcPct val="150000"/>
+              </a:lnSpc>
+              <a:buFont typeface="Arial" panose="020B0604020202020204" pitchFamily="34" charset="0"/>
+              <a:buChar char="•"/>
+            </a:pPr>
+            <a:r>
+              <a:rPr lang="en-US" altLang="ko-KR" b="1" dirty="0">
+                <a:solidFill>
+                  <a:schemeClr val="tx1">
+                    <a:lumMod val="50000"/>
+                    <a:lumOff val="50000"/>
+                  </a:schemeClr>
+                </a:solidFill>
+                <a:latin typeface="한컴 고딕" panose="02000500000000000000" pitchFamily="2" charset="-127"/>
+                <a:ea typeface="한컴 고딕" panose="02000500000000000000" pitchFamily="2" charset="-127"/>
+              </a:rPr>
+              <a:t>MANET</a:t>
+            </a:r>
+            <a:r>
+              <a:rPr lang="ko-KR" altLang="en-US" b="1" dirty="0">
+                <a:solidFill>
+                  <a:schemeClr val="tx1">
+                    <a:lumMod val="50000"/>
+                    <a:lumOff val="50000"/>
+                  </a:schemeClr>
+                </a:solidFill>
+                <a:latin typeface="한컴 고딕" panose="02000500000000000000" pitchFamily="2" charset="-127"/>
+                <a:ea typeface="한컴 고딕" panose="02000500000000000000" pitchFamily="2" charset="-127"/>
+              </a:rPr>
+              <a:t>에서 작동하는 하위 필드이자 애플리케이션이다</a:t>
+            </a:r>
+            <a:r>
+              <a:rPr lang="en-US" altLang="ko-KR" b="1" dirty="0">
+                <a:solidFill>
+                  <a:schemeClr val="tx1">
+                    <a:lumMod val="50000"/>
+                    <a:lumOff val="50000"/>
+                  </a:schemeClr>
+                </a:solidFill>
+                <a:latin typeface="한컴 고딕" panose="02000500000000000000" pitchFamily="2" charset="-127"/>
+                <a:ea typeface="한컴 고딕" panose="02000500000000000000" pitchFamily="2" charset="-127"/>
+              </a:rPr>
+              <a:t>.</a:t>
+            </a:r>
+          </a:p>
+          <a:p>
+            <a:pPr marL="342900" indent="-342900">
+              <a:lnSpc>
+                <a:spcPct val="150000"/>
+              </a:lnSpc>
+              <a:buFont typeface="Arial" panose="020B0604020202020204" pitchFamily="34" charset="0"/>
+              <a:buChar char="•"/>
+            </a:pPr>
+            <a:r>
+              <a:rPr lang="en-US" altLang="ko-KR" b="1" dirty="0">
+                <a:solidFill>
+                  <a:schemeClr val="tx1">
+                    <a:lumMod val="50000"/>
+                    <a:lumOff val="50000"/>
+                  </a:schemeClr>
+                </a:solidFill>
+                <a:latin typeface="한컴 고딕" panose="02000500000000000000" pitchFamily="2" charset="-127"/>
+                <a:ea typeface="한컴 고딕" panose="02000500000000000000" pitchFamily="2" charset="-127"/>
+              </a:rPr>
+              <a:t>VANET</a:t>
+            </a:r>
+            <a:r>
+              <a:rPr lang="ko-KR" altLang="en-US" b="1" dirty="0">
+                <a:solidFill>
+                  <a:schemeClr val="tx1">
+                    <a:lumMod val="50000"/>
+                    <a:lumOff val="50000"/>
+                  </a:schemeClr>
+                </a:solidFill>
+                <a:latin typeface="한컴 고딕" panose="02000500000000000000" pitchFamily="2" charset="-127"/>
+                <a:ea typeface="한컴 고딕" panose="02000500000000000000" pitchFamily="2" charset="-127"/>
+              </a:rPr>
+              <a:t>의 목표는 </a:t>
+            </a:r>
+            <a:r>
+              <a:rPr lang="en-US" altLang="ko-KR" b="1" dirty="0">
+                <a:solidFill>
+                  <a:schemeClr val="tx1">
+                    <a:lumMod val="50000"/>
+                    <a:lumOff val="50000"/>
+                  </a:schemeClr>
+                </a:solidFill>
+                <a:latin typeface="한컴 고딕" panose="02000500000000000000" pitchFamily="2" charset="-127"/>
+                <a:ea typeface="한컴 고딕" panose="02000500000000000000" pitchFamily="2" charset="-127"/>
+              </a:rPr>
+              <a:t>MANET </a:t>
+            </a:r>
+            <a:r>
+              <a:rPr lang="ko-KR" altLang="en-US" b="1" dirty="0">
+                <a:solidFill>
+                  <a:schemeClr val="tx1">
+                    <a:lumMod val="50000"/>
+                    <a:lumOff val="50000"/>
+                  </a:schemeClr>
+                </a:solidFill>
+                <a:latin typeface="한컴 고딕" panose="02000500000000000000" pitchFamily="2" charset="-127"/>
+                <a:ea typeface="한컴 고딕" panose="02000500000000000000" pitchFamily="2" charset="-127"/>
+              </a:rPr>
+              <a:t>서비스를 운전자</a:t>
+            </a:r>
+            <a:r>
+              <a:rPr lang="en-US" altLang="ko-KR" b="1" dirty="0">
+                <a:solidFill>
+                  <a:schemeClr val="tx1">
+                    <a:lumMod val="50000"/>
+                    <a:lumOff val="50000"/>
+                  </a:schemeClr>
+                </a:solidFill>
+                <a:latin typeface="한컴 고딕" panose="02000500000000000000" pitchFamily="2" charset="-127"/>
+                <a:ea typeface="한컴 고딕" panose="02000500000000000000" pitchFamily="2" charset="-127"/>
+              </a:rPr>
+              <a:t>, </a:t>
+            </a:r>
+            <a:r>
+              <a:rPr lang="ko-KR" altLang="en-US" b="1" dirty="0">
+                <a:solidFill>
+                  <a:schemeClr val="tx1">
+                    <a:lumMod val="50000"/>
+                    <a:lumOff val="50000"/>
+                  </a:schemeClr>
+                </a:solidFill>
+                <a:latin typeface="한컴 고딕" panose="02000500000000000000" pitchFamily="2" charset="-127"/>
+                <a:ea typeface="한컴 고딕" panose="02000500000000000000" pitchFamily="2" charset="-127"/>
+              </a:rPr>
+              <a:t>승객 및 주변 환경의 안전을 보장하며 사용하는 것을 목표로 한다</a:t>
+            </a:r>
+            <a:r>
+              <a:rPr lang="en-US" altLang="ko-KR" b="1" dirty="0">
+                <a:solidFill>
+                  <a:schemeClr val="tx1">
+                    <a:lumMod val="50000"/>
+                    <a:lumOff val="50000"/>
+                  </a:schemeClr>
+                </a:solidFill>
+                <a:latin typeface="한컴 고딕" panose="02000500000000000000" pitchFamily="2" charset="-127"/>
+                <a:ea typeface="한컴 고딕" panose="02000500000000000000" pitchFamily="2" charset="-127"/>
+              </a:rPr>
+              <a:t>.</a:t>
+            </a:r>
+          </a:p>
+          <a:p>
+            <a:pPr marL="342900" indent="-342900">
+              <a:lnSpc>
+                <a:spcPct val="150000"/>
+              </a:lnSpc>
+              <a:buFont typeface="Arial" panose="020B0604020202020204" pitchFamily="34" charset="0"/>
+              <a:buChar char="•"/>
+            </a:pPr>
+            <a:r>
+              <a:rPr lang="en-US" altLang="ko-KR" b="1" dirty="0">
+                <a:solidFill>
+                  <a:schemeClr val="tx1">
+                    <a:lumMod val="50000"/>
+                    <a:lumOff val="50000"/>
+                  </a:schemeClr>
+                </a:solidFill>
+                <a:latin typeface="한컴 고딕" panose="02000500000000000000" pitchFamily="2" charset="-127"/>
+                <a:ea typeface="한컴 고딕" panose="02000500000000000000" pitchFamily="2" charset="-127"/>
+              </a:rPr>
+              <a:t>NDN </a:t>
+            </a:r>
+            <a:r>
+              <a:rPr lang="ko-KR" altLang="en-US" b="1" dirty="0">
+                <a:solidFill>
+                  <a:schemeClr val="tx1">
+                    <a:lumMod val="50000"/>
+                    <a:lumOff val="50000"/>
+                  </a:schemeClr>
+                </a:solidFill>
+                <a:latin typeface="한컴 고딕" panose="02000500000000000000" pitchFamily="2" charset="-127"/>
+                <a:ea typeface="한컴 고딕" panose="02000500000000000000" pitchFamily="2" charset="-127"/>
+              </a:rPr>
+              <a:t>기반의 </a:t>
+            </a:r>
+            <a:r>
+              <a:rPr lang="en-US" altLang="ko-KR" b="1" dirty="0">
+                <a:solidFill>
+                  <a:schemeClr val="tx1">
+                    <a:lumMod val="50000"/>
+                    <a:lumOff val="50000"/>
+                  </a:schemeClr>
+                </a:solidFill>
+                <a:latin typeface="한컴 고딕" panose="02000500000000000000" pitchFamily="2" charset="-127"/>
+                <a:ea typeface="한컴 고딕" panose="02000500000000000000" pitchFamily="2" charset="-127"/>
+              </a:rPr>
+              <a:t>VANET </a:t>
+            </a:r>
+            <a:r>
+              <a:rPr lang="ko-KR" altLang="en-US" b="1" dirty="0">
+                <a:solidFill>
+                  <a:schemeClr val="tx1">
+                    <a:lumMod val="50000"/>
+                    <a:lumOff val="50000"/>
+                  </a:schemeClr>
+                </a:solidFill>
+                <a:latin typeface="한컴 고딕" panose="02000500000000000000" pitchFamily="2" charset="-127"/>
+                <a:ea typeface="한컴 고딕" panose="02000500000000000000" pitchFamily="2" charset="-127"/>
+              </a:rPr>
+              <a:t>포워딩 전략</a:t>
+            </a:r>
+            <a:endParaRPr lang="en-US" altLang="ko-KR" b="1" dirty="0">
+              <a:solidFill>
+                <a:schemeClr val="tx1">
+                  <a:lumMod val="50000"/>
+                  <a:lumOff val="50000"/>
+                </a:schemeClr>
+              </a:solidFill>
+              <a:latin typeface="한컴 고딕" panose="02000500000000000000" pitchFamily="2" charset="-127"/>
+              <a:ea typeface="한컴 고딕" panose="02000500000000000000" pitchFamily="2" charset="-127"/>
+            </a:endParaRPr>
+          </a:p>
+          <a:p>
+            <a:pPr marL="800100" lvl="1" indent="-342900">
+              <a:lnSpc>
+                <a:spcPct val="150000"/>
+              </a:lnSpc>
+              <a:buFont typeface="Arial" panose="020B0604020202020204" pitchFamily="34" charset="0"/>
+              <a:buChar char="•"/>
+            </a:pPr>
+            <a:r>
+              <a:rPr lang="en-US" altLang="ko-KR" b="1" dirty="0">
+                <a:solidFill>
+                  <a:schemeClr val="tx1">
+                    <a:lumMod val="50000"/>
+                    <a:lumOff val="50000"/>
+                  </a:schemeClr>
+                </a:solidFill>
+                <a:latin typeface="한컴 고딕" panose="02000500000000000000" pitchFamily="2" charset="-127"/>
+                <a:ea typeface="한컴 고딕" panose="02000500000000000000" pitchFamily="2" charset="-127"/>
+              </a:rPr>
+              <a:t>Location Aware Forwarding</a:t>
+            </a:r>
+          </a:p>
+          <a:p>
+            <a:pPr marL="800100" lvl="1" indent="-342900">
+              <a:lnSpc>
+                <a:spcPct val="150000"/>
+              </a:lnSpc>
+              <a:buFont typeface="Arial" panose="020B0604020202020204" pitchFamily="34" charset="0"/>
+              <a:buChar char="•"/>
+            </a:pPr>
+            <a:r>
+              <a:rPr lang="en-US" altLang="ko-KR" b="1" dirty="0">
+                <a:solidFill>
+                  <a:schemeClr val="tx1">
+                    <a:lumMod val="50000"/>
+                    <a:lumOff val="50000"/>
+                  </a:schemeClr>
+                </a:solidFill>
+                <a:latin typeface="한컴 고딕" panose="02000500000000000000" pitchFamily="2" charset="-127"/>
+                <a:ea typeface="한컴 고딕" panose="02000500000000000000" pitchFamily="2" charset="-127"/>
+              </a:rPr>
+              <a:t>Neighbor Aware Forwarding</a:t>
+            </a:r>
+          </a:p>
+          <a:p>
+            <a:pPr marL="800100" lvl="1" indent="-342900">
+              <a:lnSpc>
+                <a:spcPct val="150000"/>
+              </a:lnSpc>
+              <a:buFont typeface="Arial" panose="020B0604020202020204" pitchFamily="34" charset="0"/>
+              <a:buChar char="•"/>
+            </a:pPr>
+            <a:r>
+              <a:rPr lang="en-US" altLang="ko-KR" b="1" dirty="0">
+                <a:solidFill>
+                  <a:schemeClr val="tx1">
+                    <a:lumMod val="50000"/>
+                    <a:lumOff val="50000"/>
+                  </a:schemeClr>
+                </a:solidFill>
+                <a:latin typeface="한컴 고딕" panose="02000500000000000000" pitchFamily="2" charset="-127"/>
+                <a:ea typeface="한컴 고딕" panose="02000500000000000000" pitchFamily="2" charset="-127"/>
+              </a:rPr>
+              <a:t>Context Aware Forwarding</a:t>
+            </a:r>
+          </a:p>
+          <a:p>
+            <a:pPr marL="800100" lvl="1" indent="-342900">
+              <a:lnSpc>
+                <a:spcPct val="150000"/>
+              </a:lnSpc>
+              <a:buFont typeface="Arial" panose="020B0604020202020204" pitchFamily="34" charset="0"/>
+              <a:buChar char="•"/>
+            </a:pPr>
+            <a:r>
+              <a:rPr lang="en-US" altLang="ko-KR" b="1" dirty="0">
+                <a:solidFill>
+                  <a:schemeClr val="tx1">
+                    <a:lumMod val="50000"/>
+                    <a:lumOff val="50000"/>
+                  </a:schemeClr>
+                </a:solidFill>
+                <a:latin typeface="한컴 고딕" panose="02000500000000000000" pitchFamily="2" charset="-127"/>
+                <a:ea typeface="한컴 고딕" panose="02000500000000000000" pitchFamily="2" charset="-127"/>
+              </a:rPr>
+              <a:t>Flooding Based Forwarding</a:t>
+            </a:r>
+          </a:p>
+          <a:p>
+            <a:pPr marL="800100" lvl="1" indent="-342900">
+              <a:lnSpc>
+                <a:spcPct val="150000"/>
+              </a:lnSpc>
+              <a:buFont typeface="Arial" panose="020B0604020202020204" pitchFamily="34" charset="0"/>
+              <a:buChar char="•"/>
+            </a:pPr>
+            <a:r>
+              <a:rPr lang="en-US" altLang="ko-KR" b="1" dirty="0">
+                <a:solidFill>
+                  <a:schemeClr val="tx1">
+                    <a:lumMod val="50000"/>
+                    <a:lumOff val="50000"/>
+                  </a:schemeClr>
+                </a:solidFill>
+                <a:latin typeface="한컴 고딕" panose="02000500000000000000" pitchFamily="2" charset="-127"/>
+                <a:ea typeface="한컴 고딕" panose="02000500000000000000" pitchFamily="2" charset="-127"/>
+              </a:rPr>
+              <a:t>Link Stability Based Forwarding</a:t>
+            </a:r>
+          </a:p>
+          <a:p>
+            <a:pPr marL="800100" lvl="1" indent="-342900">
+              <a:lnSpc>
+                <a:spcPct val="150000"/>
+              </a:lnSpc>
+              <a:buFont typeface="Arial" panose="020B0604020202020204" pitchFamily="34" charset="0"/>
+              <a:buChar char="•"/>
+            </a:pPr>
+            <a:r>
+              <a:rPr lang="en-US" altLang="ko-KR" b="1" dirty="0">
+                <a:solidFill>
+                  <a:schemeClr val="tx1">
+                    <a:lumMod val="50000"/>
+                    <a:lumOff val="50000"/>
+                  </a:schemeClr>
+                </a:solidFill>
+                <a:latin typeface="한컴 고딕" panose="02000500000000000000" pitchFamily="2" charset="-127"/>
+                <a:ea typeface="한컴 고딕" panose="02000500000000000000" pitchFamily="2" charset="-127"/>
+              </a:rPr>
+              <a:t>Distance Aware Forwarding</a:t>
+            </a:r>
+          </a:p>
+        </p:txBody>
+      </p:sp>
+    </p:spTree>
+    <p:extLst>
+      <p:ext uri="{BB962C8B-B14F-4D97-AF65-F5344CB8AC3E}">
+        <p14:creationId xmlns:p14="http://schemas.microsoft.com/office/powerpoint/2010/main" val="866081896"/>
       </p:ext>
     </p:extLst>
   </p:cSld>
@@ -11036,6 +12628,12 @@
 </file>
 
 <file path=customXml/item1.xml><?xml version="1.0" encoding="utf-8"?>
+<p:properties xmlns:p="http://schemas.microsoft.com/office/2006/metadata/properties" xmlns:xsi="http://www.w3.org/2001/XMLSchema-instance" xmlns:pc="http://schemas.microsoft.com/office/infopath/2007/PartnerControls">
+  <documentManagement/>
+</p:properties>
+</file>
+
+<file path=customXml/item2.xml><?xml version="1.0" encoding="utf-8"?>
 <ct:contentTypeSchema xmlns:ct="http://schemas.microsoft.com/office/2006/metadata/contentType" xmlns:ma="http://schemas.microsoft.com/office/2006/metadata/properties/metaAttributes" ct:_="" ma:_="" ma:contentTypeName="문서" ma:contentTypeID="0x010100E4927A4037DBD641A85992FBC73A8B40" ma:contentTypeVersion="2" ma:contentTypeDescription="새 문서를 만듭니다." ma:contentTypeScope="" ma:versionID="785516272148627df98f01afb93c3ec0">
   <xsd:schema xmlns:xsd="http://www.w3.org/2001/XMLSchema" xmlns:xs="http://www.w3.org/2001/XMLSchema" xmlns:p="http://schemas.microsoft.com/office/2006/metadata/properties" xmlns:ns3="8163f15b-5006-406c-85c3-8b9bf000eef1" targetNamespace="http://schemas.microsoft.com/office/2006/metadata/properties" ma:root="true" ma:fieldsID="3387be2b6cc6ac182b5d48e801aa7a71" ns3:_="">
     <xsd:import namespace="8163f15b-5006-406c-85c3-8b9bf000eef1"/>
@@ -11167,12 +12765,6 @@
 </ct:contentTypeSchema>
 </file>
 
-<file path=customXml/item2.xml><?xml version="1.0" encoding="utf-8"?>
-<p:properties xmlns:p="http://schemas.microsoft.com/office/2006/metadata/properties" xmlns:xsi="http://www.w3.org/2001/XMLSchema-instance" xmlns:pc="http://schemas.microsoft.com/office/infopath/2007/PartnerControls">
-  <documentManagement/>
-</p:properties>
-</file>
-
 <file path=customXml/item3.xml><?xml version="1.0" encoding="utf-8"?>
 <?mso-contentType ?>
 <FormTemplates xmlns="http://schemas.microsoft.com/sharepoint/v3/contenttype/forms">
@@ -11183,6 +12775,22 @@
 </file>
 
 <file path=customXml/itemProps1.xml><?xml version="1.0" encoding="utf-8"?>
+<ds:datastoreItem xmlns:ds="http://schemas.openxmlformats.org/officeDocument/2006/customXml" ds:itemID="{77F7A99E-4399-4A80-972F-A96848332908}">
+  <ds:schemaRefs>
+    <ds:schemaRef ds:uri="http://purl.org/dc/terms/"/>
+    <ds:schemaRef ds:uri="http://www.w3.org/XML/1998/namespace"/>
+    <ds:schemaRef ds:uri="http://purl.org/dc/elements/1.1/"/>
+    <ds:schemaRef ds:uri="http://purl.org/dc/dcmitype/"/>
+    <ds:schemaRef ds:uri="http://schemas.microsoft.com/office/infopath/2007/PartnerControls"/>
+    <ds:schemaRef ds:uri="http://schemas.microsoft.com/office/2006/metadata/properties"/>
+    <ds:schemaRef ds:uri="http://schemas.microsoft.com/office/2006/documentManagement/types"/>
+    <ds:schemaRef ds:uri="http://schemas.openxmlformats.org/package/2006/metadata/core-properties"/>
+    <ds:schemaRef ds:uri="8163f15b-5006-406c-85c3-8b9bf000eef1"/>
+  </ds:schemaRefs>
+</ds:datastoreItem>
+</file>
+
+<file path=customXml/itemProps2.xml><?xml version="1.0" encoding="utf-8"?>
 <ds:datastoreItem xmlns:ds="http://schemas.openxmlformats.org/officeDocument/2006/customXml" ds:itemID="{B23CD78E-FDBA-45D3-A74E-F9DB3B758C5E}">
   <ds:schemaRefs>
     <ds:schemaRef ds:uri="http://schemas.microsoft.com/office/2006/metadata/contentType"/>
@@ -11200,22 +12808,6 @@
 </ds:datastoreItem>
 </file>
 
-<file path=customXml/itemProps2.xml><?xml version="1.0" encoding="utf-8"?>
-<ds:datastoreItem xmlns:ds="http://schemas.openxmlformats.org/officeDocument/2006/customXml" ds:itemID="{77F7A99E-4399-4A80-972F-A96848332908}">
-  <ds:schemaRefs>
-    <ds:schemaRef ds:uri="http://purl.org/dc/terms/"/>
-    <ds:schemaRef ds:uri="http://www.w3.org/XML/1998/namespace"/>
-    <ds:schemaRef ds:uri="http://purl.org/dc/elements/1.1/"/>
-    <ds:schemaRef ds:uri="http://purl.org/dc/dcmitype/"/>
-    <ds:schemaRef ds:uri="http://schemas.microsoft.com/office/infopath/2007/PartnerControls"/>
-    <ds:schemaRef ds:uri="http://schemas.microsoft.com/office/2006/metadata/properties"/>
-    <ds:schemaRef ds:uri="http://schemas.microsoft.com/office/2006/documentManagement/types"/>
-    <ds:schemaRef ds:uri="http://schemas.openxmlformats.org/package/2006/metadata/core-properties"/>
-    <ds:schemaRef ds:uri="8163f15b-5006-406c-85c3-8b9bf000eef1"/>
-  </ds:schemaRefs>
-</ds:datastoreItem>
-</file>
-
 <file path=customXml/itemProps3.xml><?xml version="1.0" encoding="utf-8"?>
 <ds:datastoreItem xmlns:ds="http://schemas.openxmlformats.org/officeDocument/2006/customXml" ds:itemID="{4F4AD1C9-2958-46E3-9F6B-F7BA68A8F8FC}">
   <ds:schemaRefs>

--- a/Named-Data-Net/PPT/Forwarding_Strategy_in_NDN_based_Wireless_Networks_A_Survey.pptx
+++ b/Named-Data-Net/PPT/Forwarding_Strategy_in_NDN_based_Wireless_Networks_A_Survey.pptx
@@ -240,7 +240,7 @@
           <a:p>
             <a:fld id="{BAB97E51-E427-4ACE-A482-015806134BAA}" type="datetimeFigureOut">
               <a:rPr lang="ko-KR" altLang="en-US" smtClean="0"/>
-              <a:t>2023-07-31</a:t>
+              <a:t>2023-08-02</a:t>
             </a:fld>
             <a:endParaRPr lang="ko-KR" altLang="en-US"/>
           </a:p>
@@ -654,7 +654,7 @@
           <a:p>
             <a:fld id="{2449B460-6749-4E70-B13D-B84D895949FF}" type="datetime1">
               <a:rPr lang="ko-KR" altLang="en-US" smtClean="0"/>
-              <a:t>2023-07-31</a:t>
+              <a:t>2023-08-02</a:t>
             </a:fld>
             <a:endParaRPr lang="ko-KR" altLang="en-US"/>
           </a:p>
@@ -873,7 +873,7 @@
           <a:p>
             <a:fld id="{92B4B20E-652B-4F60-BE07-24F8AD924D62}" type="datetime1">
               <a:rPr lang="ko-KR" altLang="en-US" smtClean="0"/>
-              <a:t>2023-07-31</a:t>
+              <a:t>2023-08-02</a:t>
             </a:fld>
             <a:endParaRPr lang="ko-KR" altLang="en-US"/>
           </a:p>
@@ -1081,7 +1081,7 @@
           <a:p>
             <a:fld id="{59EDC7B4-1AE1-427E-B7FE-391206F48BE0}" type="datetime1">
               <a:rPr lang="ko-KR" altLang="en-US" smtClean="0"/>
-              <a:t>2023-07-31</a:t>
+              <a:t>2023-08-02</a:t>
             </a:fld>
             <a:endParaRPr lang="ko-KR" altLang="en-US"/>
           </a:p>
@@ -1279,7 +1279,7 @@
           <a:p>
             <a:fld id="{2AE3C021-F84F-4F2C-9D30-1509F357F51F}" type="datetime1">
               <a:rPr lang="ko-KR" altLang="en-US" smtClean="0"/>
-              <a:t>2023-07-31</a:t>
+              <a:t>2023-08-02</a:t>
             </a:fld>
             <a:endParaRPr lang="ko-KR" altLang="en-US"/>
           </a:p>
@@ -1554,7 +1554,7 @@
           <a:p>
             <a:fld id="{484B05B9-04AE-4972-B50A-E9891E1494A6}" type="datetime1">
               <a:rPr lang="ko-KR" altLang="en-US" smtClean="0"/>
-              <a:t>2023-07-31</a:t>
+              <a:t>2023-08-02</a:t>
             </a:fld>
             <a:endParaRPr lang="ko-KR" altLang="en-US"/>
           </a:p>
@@ -1819,7 +1819,7 @@
           <a:p>
             <a:fld id="{402727CD-92C4-465C-9DBA-E5CD3A35887D}" type="datetime1">
               <a:rPr lang="ko-KR" altLang="en-US" smtClean="0"/>
-              <a:t>2023-07-31</a:t>
+              <a:t>2023-08-02</a:t>
             </a:fld>
             <a:endParaRPr lang="ko-KR" altLang="en-US"/>
           </a:p>
@@ -2231,7 +2231,7 @@
           <a:p>
             <a:fld id="{05B3B641-2E79-439A-8F79-68EA085D9053}" type="datetime1">
               <a:rPr lang="ko-KR" altLang="en-US" smtClean="0"/>
-              <a:t>2023-07-31</a:t>
+              <a:t>2023-08-02</a:t>
             </a:fld>
             <a:endParaRPr lang="ko-KR" altLang="en-US"/>
           </a:p>
@@ -2372,7 +2372,7 @@
           <a:p>
             <a:fld id="{A7F04D54-8E43-4E7E-B8A1-C218E338CD28}" type="datetime1">
               <a:rPr lang="ko-KR" altLang="en-US" smtClean="0"/>
-              <a:t>2023-07-31</a:t>
+              <a:t>2023-08-02</a:t>
             </a:fld>
             <a:endParaRPr lang="ko-KR" altLang="en-US"/>
           </a:p>
@@ -2485,7 +2485,7 @@
           <a:p>
             <a:fld id="{B34C2BE8-3549-4F19-A18C-BF32B5B77313}" type="datetime1">
               <a:rPr lang="ko-KR" altLang="en-US" smtClean="0"/>
-              <a:t>2023-07-31</a:t>
+              <a:t>2023-08-02</a:t>
             </a:fld>
             <a:endParaRPr lang="ko-KR" altLang="en-US"/>
           </a:p>
@@ -2796,7 +2796,7 @@
           <a:p>
             <a:fld id="{664FB09C-A850-4101-96C2-327BB8EA9EB0}" type="datetime1">
               <a:rPr lang="ko-KR" altLang="en-US" smtClean="0"/>
-              <a:t>2023-07-31</a:t>
+              <a:t>2023-08-02</a:t>
             </a:fld>
             <a:endParaRPr lang="ko-KR" altLang="en-US"/>
           </a:p>
@@ -3084,7 +3084,7 @@
           <a:p>
             <a:fld id="{E33D87E4-B1AE-484B-83F2-C827A5C91BDD}" type="datetime1">
               <a:rPr lang="ko-KR" altLang="en-US" smtClean="0"/>
-              <a:t>2023-07-31</a:t>
+              <a:t>2023-08-02</a:t>
             </a:fld>
             <a:endParaRPr lang="ko-KR" altLang="en-US"/>
           </a:p>
@@ -3325,7 +3325,7 @@
           <a:p>
             <a:fld id="{B8003EF2-14D2-49D7-9E2B-0A9A451D6AE1}" type="datetime1">
               <a:rPr lang="ko-KR" altLang="en-US" smtClean="0"/>
-              <a:t>2023-07-31</a:t>
+              <a:t>2023-08-02</a:t>
             </a:fld>
             <a:endParaRPr lang="ko-KR" altLang="en-US"/>
           </a:p>
@@ -12628,12 +12628,6 @@
 </file>
 
 <file path=customXml/item1.xml><?xml version="1.0" encoding="utf-8"?>
-<p:properties xmlns:p="http://schemas.microsoft.com/office/2006/metadata/properties" xmlns:xsi="http://www.w3.org/2001/XMLSchema-instance" xmlns:pc="http://schemas.microsoft.com/office/infopath/2007/PartnerControls">
-  <documentManagement/>
-</p:properties>
-</file>
-
-<file path=customXml/item2.xml><?xml version="1.0" encoding="utf-8"?>
 <ct:contentTypeSchema xmlns:ct="http://schemas.microsoft.com/office/2006/metadata/contentType" xmlns:ma="http://schemas.microsoft.com/office/2006/metadata/properties/metaAttributes" ct:_="" ma:_="" ma:contentTypeName="문서" ma:contentTypeID="0x010100E4927A4037DBD641A85992FBC73A8B40" ma:contentTypeVersion="2" ma:contentTypeDescription="새 문서를 만듭니다." ma:contentTypeScope="" ma:versionID="785516272148627df98f01afb93c3ec0">
   <xsd:schema xmlns:xsd="http://www.w3.org/2001/XMLSchema" xmlns:xs="http://www.w3.org/2001/XMLSchema" xmlns:p="http://schemas.microsoft.com/office/2006/metadata/properties" xmlns:ns3="8163f15b-5006-406c-85c3-8b9bf000eef1" targetNamespace="http://schemas.microsoft.com/office/2006/metadata/properties" ma:root="true" ma:fieldsID="3387be2b6cc6ac182b5d48e801aa7a71" ns3:_="">
     <xsd:import namespace="8163f15b-5006-406c-85c3-8b9bf000eef1"/>
@@ -12765,6 +12759,12 @@
 </ct:contentTypeSchema>
 </file>
 
+<file path=customXml/item2.xml><?xml version="1.0" encoding="utf-8"?>
+<p:properties xmlns:p="http://schemas.microsoft.com/office/2006/metadata/properties" xmlns:xsi="http://www.w3.org/2001/XMLSchema-instance" xmlns:pc="http://schemas.microsoft.com/office/infopath/2007/PartnerControls">
+  <documentManagement/>
+</p:properties>
+</file>
+
 <file path=customXml/item3.xml><?xml version="1.0" encoding="utf-8"?>
 <?mso-contentType ?>
 <FormTemplates xmlns="http://schemas.microsoft.com/sharepoint/v3/contenttype/forms">
@@ -12775,22 +12775,6 @@
 </file>
 
 <file path=customXml/itemProps1.xml><?xml version="1.0" encoding="utf-8"?>
-<ds:datastoreItem xmlns:ds="http://schemas.openxmlformats.org/officeDocument/2006/customXml" ds:itemID="{77F7A99E-4399-4A80-972F-A96848332908}">
-  <ds:schemaRefs>
-    <ds:schemaRef ds:uri="http://purl.org/dc/terms/"/>
-    <ds:schemaRef ds:uri="http://www.w3.org/XML/1998/namespace"/>
-    <ds:schemaRef ds:uri="http://purl.org/dc/elements/1.1/"/>
-    <ds:schemaRef ds:uri="http://purl.org/dc/dcmitype/"/>
-    <ds:schemaRef ds:uri="http://schemas.microsoft.com/office/infopath/2007/PartnerControls"/>
-    <ds:schemaRef ds:uri="http://schemas.microsoft.com/office/2006/metadata/properties"/>
-    <ds:schemaRef ds:uri="http://schemas.microsoft.com/office/2006/documentManagement/types"/>
-    <ds:schemaRef ds:uri="http://schemas.openxmlformats.org/package/2006/metadata/core-properties"/>
-    <ds:schemaRef ds:uri="8163f15b-5006-406c-85c3-8b9bf000eef1"/>
-  </ds:schemaRefs>
-</ds:datastoreItem>
-</file>
-
-<file path=customXml/itemProps2.xml><?xml version="1.0" encoding="utf-8"?>
 <ds:datastoreItem xmlns:ds="http://schemas.openxmlformats.org/officeDocument/2006/customXml" ds:itemID="{B23CD78E-FDBA-45D3-A74E-F9DB3B758C5E}">
   <ds:schemaRefs>
     <ds:schemaRef ds:uri="http://schemas.microsoft.com/office/2006/metadata/contentType"/>
@@ -12808,6 +12792,22 @@
 </ds:datastoreItem>
 </file>
 
+<file path=customXml/itemProps2.xml><?xml version="1.0" encoding="utf-8"?>
+<ds:datastoreItem xmlns:ds="http://schemas.openxmlformats.org/officeDocument/2006/customXml" ds:itemID="{77F7A99E-4399-4A80-972F-A96848332908}">
+  <ds:schemaRefs>
+    <ds:schemaRef ds:uri="http://purl.org/dc/terms/"/>
+    <ds:schemaRef ds:uri="http://www.w3.org/XML/1998/namespace"/>
+    <ds:schemaRef ds:uri="http://purl.org/dc/elements/1.1/"/>
+    <ds:schemaRef ds:uri="http://purl.org/dc/dcmitype/"/>
+    <ds:schemaRef ds:uri="http://schemas.microsoft.com/office/infopath/2007/PartnerControls"/>
+    <ds:schemaRef ds:uri="http://schemas.microsoft.com/office/2006/metadata/properties"/>
+    <ds:schemaRef ds:uri="http://schemas.microsoft.com/office/2006/documentManagement/types"/>
+    <ds:schemaRef ds:uri="http://schemas.openxmlformats.org/package/2006/metadata/core-properties"/>
+    <ds:schemaRef ds:uri="8163f15b-5006-406c-85c3-8b9bf000eef1"/>
+  </ds:schemaRefs>
+</ds:datastoreItem>
+</file>
+
 <file path=customXml/itemProps3.xml><?xml version="1.0" encoding="utf-8"?>
 <ds:datastoreItem xmlns:ds="http://schemas.openxmlformats.org/officeDocument/2006/customXml" ds:itemID="{4F4AD1C9-2958-46E3-9F6B-F7BA68A8F8FC}">
   <ds:schemaRefs>
